--- a/ppt 16-9/0003.奇妙的创造.pptx
+++ b/ppt 16-9/0003.奇妙的创造.pptx
@@ -3,9 +3,10 @@
 <p:presentation xmlns:a="http://schemas.openxmlformats.org/drawingml/2006/main" xmlns:r="http://schemas.openxmlformats.org/officeDocument/2006/relationships" xmlns:p="http://schemas.openxmlformats.org/presentationml/2006/main" saveSubsetFonts="1">
   <p:sldMasterIdLst>
     <p:sldMasterId id="2147483648" r:id="rId1"/>
+    <p:sldMasterId id="2147483660" r:id="rId2"/>
   </p:sldMasterIdLst>
   <p:sldIdLst>
-    <p:sldId id="1919" r:id="rId2"/>
+    <p:sldId id="1921" r:id="rId3"/>
   </p:sldIdLst>
   <p:sldSz cx="12192000" cy="6858000"/>
   <p:notesSz cx="6858000" cy="9144000"/>
@@ -104,6 +105,11 @@
       </a:defRPr>
     </a:lvl9pPr>
   </p:defaultTextStyle>
+  <p:extLst>
+    <p:ext uri="{EFAFB233-063F-42B5-8137-9DF3F51BA10A}">
+      <p15:sldGuideLst xmlns:p15="http://schemas.microsoft.com/office/powerpoint/2012/main"/>
+    </p:ext>
+  </p:extLst>
 </p:presentation>
 </file>
 
@@ -733,6 +739,1950 @@
 </p:sldLayout>
 </file>
 
+<file path=ppt/slideLayouts/slideLayout12.xml><?xml version="1.0" encoding="utf-8"?>
+<p:sldLayout xmlns:a="http://schemas.openxmlformats.org/drawingml/2006/main" xmlns:r="http://schemas.openxmlformats.org/officeDocument/2006/relationships" xmlns:p="http://schemas.openxmlformats.org/presentationml/2006/main" type="title" preserve="1">
+  <p:cSld name="标题幻灯片">
+    <p:spTree>
+      <p:nvGrpSpPr>
+        <p:cNvPr id="1" name=""/>
+        <p:cNvGrpSpPr/>
+        <p:nvPr/>
+      </p:nvGrpSpPr>
+      <p:grpSpPr>
+        <a:xfrm>
+          <a:off x="0" y="0"/>
+          <a:ext cx="0" cy="0"/>
+          <a:chOff x="0" y="0"/>
+          <a:chExt cx="0" cy="0"/>
+        </a:xfrm>
+      </p:grpSpPr>
+      <p:sp>
+        <p:nvSpPr>
+          <p:cNvPr id="2" name="标题 1"/>
+          <p:cNvSpPr>
+            <a:spLocks noGrp="1"/>
+          </p:cNvSpPr>
+          <p:nvPr>
+            <p:ph type="ctrTitle"/>
+          </p:nvPr>
+        </p:nvSpPr>
+        <p:spPr>
+          <a:xfrm>
+            <a:off x="914400" y="2130426"/>
+            <a:ext cx="10363200" cy="1470025"/>
+          </a:xfrm>
+        </p:spPr>
+        <p:txBody>
+          <a:bodyPr/>
+          <a:lstStyle/>
+          <a:p>
+            <a:r>
+              <a:rPr lang="zh-CN" altLang="en-US"/>
+              <a:t>单击此处编辑母版标题样式</a:t>
+            </a:r>
+          </a:p>
+        </p:txBody>
+      </p:sp>
+      <p:sp>
+        <p:nvSpPr>
+          <p:cNvPr id="3" name="副标题 2"/>
+          <p:cNvSpPr>
+            <a:spLocks noGrp="1"/>
+          </p:cNvSpPr>
+          <p:nvPr>
+            <p:ph type="subTitle" idx="1"/>
+          </p:nvPr>
+        </p:nvSpPr>
+        <p:spPr>
+          <a:xfrm>
+            <a:off x="1828800" y="3886200"/>
+            <a:ext cx="8534400" cy="1752600"/>
+          </a:xfrm>
+        </p:spPr>
+        <p:txBody>
+          <a:bodyPr/>
+          <a:lstStyle>
+            <a:lvl1pPr marL="0" indent="0" algn="ctr">
+              <a:buNone/>
+              <a:defRPr/>
+            </a:lvl1pPr>
+            <a:lvl2pPr marL="457200" indent="0" algn="ctr">
+              <a:buNone/>
+              <a:defRPr/>
+            </a:lvl2pPr>
+            <a:lvl3pPr marL="914400" indent="0" algn="ctr">
+              <a:buNone/>
+              <a:defRPr/>
+            </a:lvl3pPr>
+            <a:lvl4pPr marL="1371600" indent="0" algn="ctr">
+              <a:buNone/>
+              <a:defRPr/>
+            </a:lvl4pPr>
+            <a:lvl5pPr marL="1828800" indent="0" algn="ctr">
+              <a:buNone/>
+              <a:defRPr/>
+            </a:lvl5pPr>
+            <a:lvl6pPr marL="2286000" indent="0" algn="ctr">
+              <a:buNone/>
+              <a:defRPr/>
+            </a:lvl6pPr>
+            <a:lvl7pPr marL="2743200" indent="0" algn="ctr">
+              <a:buNone/>
+              <a:defRPr/>
+            </a:lvl7pPr>
+            <a:lvl8pPr marL="3200400" indent="0" algn="ctr">
+              <a:buNone/>
+              <a:defRPr/>
+            </a:lvl8pPr>
+            <a:lvl9pPr marL="3657600" indent="0" algn="ctr">
+              <a:buNone/>
+              <a:defRPr/>
+            </a:lvl9pPr>
+          </a:lstStyle>
+          <a:p>
+            <a:r>
+              <a:rPr lang="zh-CN" altLang="en-US"/>
+              <a:t>单击此处编辑母版副标题样式</a:t>
+            </a:r>
+          </a:p>
+        </p:txBody>
+      </p:sp>
+      <p:sp>
+        <p:nvSpPr>
+          <p:cNvPr id="4" name="Rectangle 4"/>
+          <p:cNvSpPr>
+            <a:spLocks noGrp="1" noChangeArrowheads="1"/>
+          </p:cNvSpPr>
+          <p:nvPr>
+            <p:ph type="dt" sz="half" idx="10"/>
+          </p:nvPr>
+        </p:nvSpPr>
+        <p:spPr>
+          <a:ln/>
+        </p:spPr>
+        <p:txBody>
+          <a:bodyPr/>
+          <a:lstStyle>
+            <a:lvl1pPr>
+              <a:defRPr/>
+            </a:lvl1pPr>
+          </a:lstStyle>
+          <a:p>
+            <a:pPr>
+              <a:defRPr/>
+            </a:pPr>
+            <a:endParaRPr lang="zh-CN" altLang="zh-CN"/>
+          </a:p>
+        </p:txBody>
+      </p:sp>
+      <p:sp>
+        <p:nvSpPr>
+          <p:cNvPr id="5" name="Rectangle 5"/>
+          <p:cNvSpPr>
+            <a:spLocks noGrp="1" noChangeArrowheads="1"/>
+          </p:cNvSpPr>
+          <p:nvPr>
+            <p:ph type="ftr" sz="quarter" idx="11"/>
+          </p:nvPr>
+        </p:nvSpPr>
+        <p:spPr>
+          <a:ln/>
+        </p:spPr>
+        <p:txBody>
+          <a:bodyPr/>
+          <a:lstStyle>
+            <a:lvl1pPr>
+              <a:defRPr/>
+            </a:lvl1pPr>
+          </a:lstStyle>
+          <a:p>
+            <a:pPr>
+              <a:defRPr/>
+            </a:pPr>
+            <a:endParaRPr lang="zh-CN" altLang="zh-CN"/>
+          </a:p>
+        </p:txBody>
+      </p:sp>
+      <p:sp>
+        <p:nvSpPr>
+          <p:cNvPr id="6" name="Rectangle 6"/>
+          <p:cNvSpPr>
+            <a:spLocks noGrp="1" noChangeArrowheads="1"/>
+          </p:cNvSpPr>
+          <p:nvPr>
+            <p:ph type="sldNum" sz="quarter" idx="12"/>
+          </p:nvPr>
+        </p:nvSpPr>
+        <p:spPr>
+          <a:ln/>
+        </p:spPr>
+        <p:txBody>
+          <a:bodyPr/>
+          <a:lstStyle>
+            <a:lvl1pPr>
+              <a:defRPr/>
+            </a:lvl1pPr>
+          </a:lstStyle>
+          <a:p>
+            <a:pPr>
+              <a:defRPr/>
+            </a:pPr>
+            <a:fld id="{675631FB-F3C0-4281-B07A-C5CBF57C8264}" type="slidenum">
+              <a:rPr lang="zh-CN" altLang="zh-CN"/>
+              <a:pPr>
+                <a:defRPr/>
+              </a:pPr>
+              <a:t>‹#›</a:t>
+            </a:fld>
+            <a:endParaRPr lang="zh-CN" altLang="zh-CN"/>
+          </a:p>
+        </p:txBody>
+      </p:sp>
+    </p:spTree>
+    <p:extLst>
+      <p:ext uri="{BB962C8B-B14F-4D97-AF65-F5344CB8AC3E}">
+        <p14:creationId xmlns:p14="http://schemas.microsoft.com/office/powerpoint/2010/main" val="306645296"/>
+      </p:ext>
+    </p:extLst>
+  </p:cSld>
+  <p:clrMapOvr>
+    <a:masterClrMapping/>
+  </p:clrMapOvr>
+</p:sldLayout>
+</file>
+
+<file path=ppt/slideLayouts/slideLayout13.xml><?xml version="1.0" encoding="utf-8"?>
+<p:sldLayout xmlns:a="http://schemas.openxmlformats.org/drawingml/2006/main" xmlns:r="http://schemas.openxmlformats.org/officeDocument/2006/relationships" xmlns:p="http://schemas.openxmlformats.org/presentationml/2006/main" type="obj" preserve="1">
+  <p:cSld name="标题和内容">
+    <p:spTree>
+      <p:nvGrpSpPr>
+        <p:cNvPr id="1" name=""/>
+        <p:cNvGrpSpPr/>
+        <p:nvPr/>
+      </p:nvGrpSpPr>
+      <p:grpSpPr>
+        <a:xfrm>
+          <a:off x="0" y="0"/>
+          <a:ext cx="0" cy="0"/>
+          <a:chOff x="0" y="0"/>
+          <a:chExt cx="0" cy="0"/>
+        </a:xfrm>
+      </p:grpSpPr>
+      <p:sp>
+        <p:nvSpPr>
+          <p:cNvPr id="2" name="标题 1"/>
+          <p:cNvSpPr>
+            <a:spLocks noGrp="1"/>
+          </p:cNvSpPr>
+          <p:nvPr>
+            <p:ph type="title"/>
+          </p:nvPr>
+        </p:nvSpPr>
+        <p:spPr/>
+        <p:txBody>
+          <a:bodyPr/>
+          <a:lstStyle/>
+          <a:p>
+            <a:r>
+              <a:rPr lang="zh-CN" altLang="en-US"/>
+              <a:t>单击此处编辑母版标题样式</a:t>
+            </a:r>
+          </a:p>
+        </p:txBody>
+      </p:sp>
+      <p:sp>
+        <p:nvSpPr>
+          <p:cNvPr id="3" name="内容占位符 2"/>
+          <p:cNvSpPr>
+            <a:spLocks noGrp="1"/>
+          </p:cNvSpPr>
+          <p:nvPr>
+            <p:ph idx="1"/>
+          </p:nvPr>
+        </p:nvSpPr>
+        <p:spPr/>
+        <p:txBody>
+          <a:bodyPr/>
+          <a:lstStyle/>
+          <a:p>
+            <a:pPr lvl="0"/>
+            <a:r>
+              <a:rPr lang="zh-CN" altLang="en-US"/>
+              <a:t>单击此处编辑母版文本样式</a:t>
+            </a:r>
+          </a:p>
+          <a:p>
+            <a:pPr lvl="1"/>
+            <a:r>
+              <a:rPr lang="zh-CN" altLang="en-US"/>
+              <a:t>第二级</a:t>
+            </a:r>
+          </a:p>
+          <a:p>
+            <a:pPr lvl="2"/>
+            <a:r>
+              <a:rPr lang="zh-CN" altLang="en-US"/>
+              <a:t>第三级</a:t>
+            </a:r>
+          </a:p>
+          <a:p>
+            <a:pPr lvl="3"/>
+            <a:r>
+              <a:rPr lang="zh-CN" altLang="en-US"/>
+              <a:t>第四级</a:t>
+            </a:r>
+          </a:p>
+          <a:p>
+            <a:pPr lvl="4"/>
+            <a:r>
+              <a:rPr lang="zh-CN" altLang="en-US"/>
+              <a:t>第五级</a:t>
+            </a:r>
+          </a:p>
+        </p:txBody>
+      </p:sp>
+      <p:sp>
+        <p:nvSpPr>
+          <p:cNvPr id="4" name="Rectangle 4"/>
+          <p:cNvSpPr>
+            <a:spLocks noGrp="1" noChangeArrowheads="1"/>
+          </p:cNvSpPr>
+          <p:nvPr>
+            <p:ph type="dt" sz="half" idx="10"/>
+          </p:nvPr>
+        </p:nvSpPr>
+        <p:spPr>
+          <a:ln/>
+        </p:spPr>
+        <p:txBody>
+          <a:bodyPr/>
+          <a:lstStyle>
+            <a:lvl1pPr>
+              <a:defRPr/>
+            </a:lvl1pPr>
+          </a:lstStyle>
+          <a:p>
+            <a:pPr>
+              <a:defRPr/>
+            </a:pPr>
+            <a:endParaRPr lang="zh-CN" altLang="zh-CN"/>
+          </a:p>
+        </p:txBody>
+      </p:sp>
+      <p:sp>
+        <p:nvSpPr>
+          <p:cNvPr id="5" name="Rectangle 5"/>
+          <p:cNvSpPr>
+            <a:spLocks noGrp="1" noChangeArrowheads="1"/>
+          </p:cNvSpPr>
+          <p:nvPr>
+            <p:ph type="ftr" sz="quarter" idx="11"/>
+          </p:nvPr>
+        </p:nvSpPr>
+        <p:spPr>
+          <a:ln/>
+        </p:spPr>
+        <p:txBody>
+          <a:bodyPr/>
+          <a:lstStyle>
+            <a:lvl1pPr>
+              <a:defRPr/>
+            </a:lvl1pPr>
+          </a:lstStyle>
+          <a:p>
+            <a:pPr>
+              <a:defRPr/>
+            </a:pPr>
+            <a:endParaRPr lang="zh-CN" altLang="zh-CN"/>
+          </a:p>
+        </p:txBody>
+      </p:sp>
+      <p:sp>
+        <p:nvSpPr>
+          <p:cNvPr id="6" name="Rectangle 6"/>
+          <p:cNvSpPr>
+            <a:spLocks noGrp="1" noChangeArrowheads="1"/>
+          </p:cNvSpPr>
+          <p:nvPr>
+            <p:ph type="sldNum" sz="quarter" idx="12"/>
+          </p:nvPr>
+        </p:nvSpPr>
+        <p:spPr>
+          <a:ln/>
+        </p:spPr>
+        <p:txBody>
+          <a:bodyPr/>
+          <a:lstStyle>
+            <a:lvl1pPr>
+              <a:defRPr/>
+            </a:lvl1pPr>
+          </a:lstStyle>
+          <a:p>
+            <a:pPr>
+              <a:defRPr/>
+            </a:pPr>
+            <a:fld id="{42DC0EAA-890B-477F-9E1D-B4529D0C0234}" type="slidenum">
+              <a:rPr lang="zh-CN" altLang="zh-CN"/>
+              <a:pPr>
+                <a:defRPr/>
+              </a:pPr>
+              <a:t>‹#›</a:t>
+            </a:fld>
+            <a:endParaRPr lang="zh-CN" altLang="zh-CN"/>
+          </a:p>
+        </p:txBody>
+      </p:sp>
+    </p:spTree>
+    <p:extLst>
+      <p:ext uri="{BB962C8B-B14F-4D97-AF65-F5344CB8AC3E}">
+        <p14:creationId xmlns:p14="http://schemas.microsoft.com/office/powerpoint/2010/main" val="2339006600"/>
+      </p:ext>
+    </p:extLst>
+  </p:cSld>
+  <p:clrMapOvr>
+    <a:masterClrMapping/>
+  </p:clrMapOvr>
+</p:sldLayout>
+</file>
+
+<file path=ppt/slideLayouts/slideLayout14.xml><?xml version="1.0" encoding="utf-8"?>
+<p:sldLayout xmlns:a="http://schemas.openxmlformats.org/drawingml/2006/main" xmlns:r="http://schemas.openxmlformats.org/officeDocument/2006/relationships" xmlns:p="http://schemas.openxmlformats.org/presentationml/2006/main" type="secHead" preserve="1">
+  <p:cSld name="节标题">
+    <p:spTree>
+      <p:nvGrpSpPr>
+        <p:cNvPr id="1" name=""/>
+        <p:cNvGrpSpPr/>
+        <p:nvPr/>
+      </p:nvGrpSpPr>
+      <p:grpSpPr>
+        <a:xfrm>
+          <a:off x="0" y="0"/>
+          <a:ext cx="0" cy="0"/>
+          <a:chOff x="0" y="0"/>
+          <a:chExt cx="0" cy="0"/>
+        </a:xfrm>
+      </p:grpSpPr>
+      <p:sp>
+        <p:nvSpPr>
+          <p:cNvPr id="2" name="标题 1"/>
+          <p:cNvSpPr>
+            <a:spLocks noGrp="1"/>
+          </p:cNvSpPr>
+          <p:nvPr>
+            <p:ph type="title"/>
+          </p:nvPr>
+        </p:nvSpPr>
+        <p:spPr>
+          <a:xfrm>
+            <a:off x="963084" y="4406901"/>
+            <a:ext cx="10363200" cy="1362075"/>
+          </a:xfrm>
+        </p:spPr>
+        <p:txBody>
+          <a:bodyPr anchor="t"/>
+          <a:lstStyle>
+            <a:lvl1pPr algn="l">
+              <a:defRPr sz="4000" b="1" cap="all"/>
+            </a:lvl1pPr>
+          </a:lstStyle>
+          <a:p>
+            <a:r>
+              <a:rPr lang="zh-CN" altLang="en-US"/>
+              <a:t>单击此处编辑母版标题样式</a:t>
+            </a:r>
+          </a:p>
+        </p:txBody>
+      </p:sp>
+      <p:sp>
+        <p:nvSpPr>
+          <p:cNvPr id="3" name="文本占位符 2"/>
+          <p:cNvSpPr>
+            <a:spLocks noGrp="1"/>
+          </p:cNvSpPr>
+          <p:nvPr>
+            <p:ph type="body" idx="1"/>
+          </p:nvPr>
+        </p:nvSpPr>
+        <p:spPr>
+          <a:xfrm>
+            <a:off x="963084" y="2906713"/>
+            <a:ext cx="10363200" cy="1500187"/>
+          </a:xfrm>
+        </p:spPr>
+        <p:txBody>
+          <a:bodyPr anchor="b"/>
+          <a:lstStyle>
+            <a:lvl1pPr marL="0" indent="0">
+              <a:buNone/>
+              <a:defRPr sz="2000"/>
+            </a:lvl1pPr>
+            <a:lvl2pPr marL="457200" indent="0">
+              <a:buNone/>
+              <a:defRPr sz="1800"/>
+            </a:lvl2pPr>
+            <a:lvl3pPr marL="914400" indent="0">
+              <a:buNone/>
+              <a:defRPr sz="1600"/>
+            </a:lvl3pPr>
+            <a:lvl4pPr marL="1371600" indent="0">
+              <a:buNone/>
+              <a:defRPr sz="1400"/>
+            </a:lvl4pPr>
+            <a:lvl5pPr marL="1828800" indent="0">
+              <a:buNone/>
+              <a:defRPr sz="1400"/>
+            </a:lvl5pPr>
+            <a:lvl6pPr marL="2286000" indent="0">
+              <a:buNone/>
+              <a:defRPr sz="1400"/>
+            </a:lvl6pPr>
+            <a:lvl7pPr marL="2743200" indent="0">
+              <a:buNone/>
+              <a:defRPr sz="1400"/>
+            </a:lvl7pPr>
+            <a:lvl8pPr marL="3200400" indent="0">
+              <a:buNone/>
+              <a:defRPr sz="1400"/>
+            </a:lvl8pPr>
+            <a:lvl9pPr marL="3657600" indent="0">
+              <a:buNone/>
+              <a:defRPr sz="1400"/>
+            </a:lvl9pPr>
+          </a:lstStyle>
+          <a:p>
+            <a:pPr lvl="0"/>
+            <a:r>
+              <a:rPr lang="zh-CN" altLang="en-US"/>
+              <a:t>单击此处编辑母版文本样式</a:t>
+            </a:r>
+          </a:p>
+        </p:txBody>
+      </p:sp>
+      <p:sp>
+        <p:nvSpPr>
+          <p:cNvPr id="4" name="Rectangle 4"/>
+          <p:cNvSpPr>
+            <a:spLocks noGrp="1" noChangeArrowheads="1"/>
+          </p:cNvSpPr>
+          <p:nvPr>
+            <p:ph type="dt" sz="half" idx="10"/>
+          </p:nvPr>
+        </p:nvSpPr>
+        <p:spPr>
+          <a:ln/>
+        </p:spPr>
+        <p:txBody>
+          <a:bodyPr/>
+          <a:lstStyle>
+            <a:lvl1pPr>
+              <a:defRPr/>
+            </a:lvl1pPr>
+          </a:lstStyle>
+          <a:p>
+            <a:pPr>
+              <a:defRPr/>
+            </a:pPr>
+            <a:endParaRPr lang="zh-CN" altLang="zh-CN"/>
+          </a:p>
+        </p:txBody>
+      </p:sp>
+      <p:sp>
+        <p:nvSpPr>
+          <p:cNvPr id="5" name="Rectangle 5"/>
+          <p:cNvSpPr>
+            <a:spLocks noGrp="1" noChangeArrowheads="1"/>
+          </p:cNvSpPr>
+          <p:nvPr>
+            <p:ph type="ftr" sz="quarter" idx="11"/>
+          </p:nvPr>
+        </p:nvSpPr>
+        <p:spPr>
+          <a:ln/>
+        </p:spPr>
+        <p:txBody>
+          <a:bodyPr/>
+          <a:lstStyle>
+            <a:lvl1pPr>
+              <a:defRPr/>
+            </a:lvl1pPr>
+          </a:lstStyle>
+          <a:p>
+            <a:pPr>
+              <a:defRPr/>
+            </a:pPr>
+            <a:endParaRPr lang="zh-CN" altLang="zh-CN"/>
+          </a:p>
+        </p:txBody>
+      </p:sp>
+      <p:sp>
+        <p:nvSpPr>
+          <p:cNvPr id="6" name="Rectangle 6"/>
+          <p:cNvSpPr>
+            <a:spLocks noGrp="1" noChangeArrowheads="1"/>
+          </p:cNvSpPr>
+          <p:nvPr>
+            <p:ph type="sldNum" sz="quarter" idx="12"/>
+          </p:nvPr>
+        </p:nvSpPr>
+        <p:spPr>
+          <a:ln/>
+        </p:spPr>
+        <p:txBody>
+          <a:bodyPr/>
+          <a:lstStyle>
+            <a:lvl1pPr>
+              <a:defRPr/>
+            </a:lvl1pPr>
+          </a:lstStyle>
+          <a:p>
+            <a:pPr>
+              <a:defRPr/>
+            </a:pPr>
+            <a:fld id="{49444103-402C-4F57-974A-7AA6C032BB65}" type="slidenum">
+              <a:rPr lang="zh-CN" altLang="zh-CN"/>
+              <a:pPr>
+                <a:defRPr/>
+              </a:pPr>
+              <a:t>‹#›</a:t>
+            </a:fld>
+            <a:endParaRPr lang="zh-CN" altLang="zh-CN"/>
+          </a:p>
+        </p:txBody>
+      </p:sp>
+    </p:spTree>
+    <p:extLst>
+      <p:ext uri="{BB962C8B-B14F-4D97-AF65-F5344CB8AC3E}">
+        <p14:creationId xmlns:p14="http://schemas.microsoft.com/office/powerpoint/2010/main" val="1458149874"/>
+      </p:ext>
+    </p:extLst>
+  </p:cSld>
+  <p:clrMapOvr>
+    <a:masterClrMapping/>
+  </p:clrMapOvr>
+</p:sldLayout>
+</file>
+
+<file path=ppt/slideLayouts/slideLayout15.xml><?xml version="1.0" encoding="utf-8"?>
+<p:sldLayout xmlns:a="http://schemas.openxmlformats.org/drawingml/2006/main" xmlns:r="http://schemas.openxmlformats.org/officeDocument/2006/relationships" xmlns:p="http://schemas.openxmlformats.org/presentationml/2006/main" type="twoObj" preserve="1">
+  <p:cSld name="两栏内容">
+    <p:spTree>
+      <p:nvGrpSpPr>
+        <p:cNvPr id="1" name=""/>
+        <p:cNvGrpSpPr/>
+        <p:nvPr/>
+      </p:nvGrpSpPr>
+      <p:grpSpPr>
+        <a:xfrm>
+          <a:off x="0" y="0"/>
+          <a:ext cx="0" cy="0"/>
+          <a:chOff x="0" y="0"/>
+          <a:chExt cx="0" cy="0"/>
+        </a:xfrm>
+      </p:grpSpPr>
+      <p:sp>
+        <p:nvSpPr>
+          <p:cNvPr id="2" name="标题 1"/>
+          <p:cNvSpPr>
+            <a:spLocks noGrp="1"/>
+          </p:cNvSpPr>
+          <p:nvPr>
+            <p:ph type="title"/>
+          </p:nvPr>
+        </p:nvSpPr>
+        <p:spPr/>
+        <p:txBody>
+          <a:bodyPr/>
+          <a:lstStyle/>
+          <a:p>
+            <a:r>
+              <a:rPr lang="zh-CN" altLang="en-US"/>
+              <a:t>单击此处编辑母版标题样式</a:t>
+            </a:r>
+          </a:p>
+        </p:txBody>
+      </p:sp>
+      <p:sp>
+        <p:nvSpPr>
+          <p:cNvPr id="3" name="内容占位符 2"/>
+          <p:cNvSpPr>
+            <a:spLocks noGrp="1"/>
+          </p:cNvSpPr>
+          <p:nvPr>
+            <p:ph sz="half" idx="1"/>
+          </p:nvPr>
+        </p:nvSpPr>
+        <p:spPr>
+          <a:xfrm>
+            <a:off x="609600" y="1600201"/>
+            <a:ext cx="5384800" cy="4525963"/>
+          </a:xfrm>
+        </p:spPr>
+        <p:txBody>
+          <a:bodyPr/>
+          <a:lstStyle>
+            <a:lvl1pPr>
+              <a:defRPr sz="2800"/>
+            </a:lvl1pPr>
+            <a:lvl2pPr>
+              <a:defRPr sz="2400"/>
+            </a:lvl2pPr>
+            <a:lvl3pPr>
+              <a:defRPr sz="2000"/>
+            </a:lvl3pPr>
+            <a:lvl4pPr>
+              <a:defRPr sz="1800"/>
+            </a:lvl4pPr>
+            <a:lvl5pPr>
+              <a:defRPr sz="1800"/>
+            </a:lvl5pPr>
+            <a:lvl6pPr>
+              <a:defRPr sz="1800"/>
+            </a:lvl6pPr>
+            <a:lvl7pPr>
+              <a:defRPr sz="1800"/>
+            </a:lvl7pPr>
+            <a:lvl8pPr>
+              <a:defRPr sz="1800"/>
+            </a:lvl8pPr>
+            <a:lvl9pPr>
+              <a:defRPr sz="1800"/>
+            </a:lvl9pPr>
+          </a:lstStyle>
+          <a:p>
+            <a:pPr lvl="0"/>
+            <a:r>
+              <a:rPr lang="zh-CN" altLang="en-US"/>
+              <a:t>单击此处编辑母版文本样式</a:t>
+            </a:r>
+          </a:p>
+          <a:p>
+            <a:pPr lvl="1"/>
+            <a:r>
+              <a:rPr lang="zh-CN" altLang="en-US"/>
+              <a:t>第二级</a:t>
+            </a:r>
+          </a:p>
+          <a:p>
+            <a:pPr lvl="2"/>
+            <a:r>
+              <a:rPr lang="zh-CN" altLang="en-US"/>
+              <a:t>第三级</a:t>
+            </a:r>
+          </a:p>
+          <a:p>
+            <a:pPr lvl="3"/>
+            <a:r>
+              <a:rPr lang="zh-CN" altLang="en-US"/>
+              <a:t>第四级</a:t>
+            </a:r>
+          </a:p>
+          <a:p>
+            <a:pPr lvl="4"/>
+            <a:r>
+              <a:rPr lang="zh-CN" altLang="en-US"/>
+              <a:t>第五级</a:t>
+            </a:r>
+          </a:p>
+        </p:txBody>
+      </p:sp>
+      <p:sp>
+        <p:nvSpPr>
+          <p:cNvPr id="4" name="内容占位符 3"/>
+          <p:cNvSpPr>
+            <a:spLocks noGrp="1"/>
+          </p:cNvSpPr>
+          <p:nvPr>
+            <p:ph sz="half" idx="2"/>
+          </p:nvPr>
+        </p:nvSpPr>
+        <p:spPr>
+          <a:xfrm>
+            <a:off x="6197600" y="1600201"/>
+            <a:ext cx="5384800" cy="4525963"/>
+          </a:xfrm>
+        </p:spPr>
+        <p:txBody>
+          <a:bodyPr/>
+          <a:lstStyle>
+            <a:lvl1pPr>
+              <a:defRPr sz="2800"/>
+            </a:lvl1pPr>
+            <a:lvl2pPr>
+              <a:defRPr sz="2400"/>
+            </a:lvl2pPr>
+            <a:lvl3pPr>
+              <a:defRPr sz="2000"/>
+            </a:lvl3pPr>
+            <a:lvl4pPr>
+              <a:defRPr sz="1800"/>
+            </a:lvl4pPr>
+            <a:lvl5pPr>
+              <a:defRPr sz="1800"/>
+            </a:lvl5pPr>
+            <a:lvl6pPr>
+              <a:defRPr sz="1800"/>
+            </a:lvl6pPr>
+            <a:lvl7pPr>
+              <a:defRPr sz="1800"/>
+            </a:lvl7pPr>
+            <a:lvl8pPr>
+              <a:defRPr sz="1800"/>
+            </a:lvl8pPr>
+            <a:lvl9pPr>
+              <a:defRPr sz="1800"/>
+            </a:lvl9pPr>
+          </a:lstStyle>
+          <a:p>
+            <a:pPr lvl="0"/>
+            <a:r>
+              <a:rPr lang="zh-CN" altLang="en-US"/>
+              <a:t>单击此处编辑母版文本样式</a:t>
+            </a:r>
+          </a:p>
+          <a:p>
+            <a:pPr lvl="1"/>
+            <a:r>
+              <a:rPr lang="zh-CN" altLang="en-US"/>
+              <a:t>第二级</a:t>
+            </a:r>
+          </a:p>
+          <a:p>
+            <a:pPr lvl="2"/>
+            <a:r>
+              <a:rPr lang="zh-CN" altLang="en-US"/>
+              <a:t>第三级</a:t>
+            </a:r>
+          </a:p>
+          <a:p>
+            <a:pPr lvl="3"/>
+            <a:r>
+              <a:rPr lang="zh-CN" altLang="en-US"/>
+              <a:t>第四级</a:t>
+            </a:r>
+          </a:p>
+          <a:p>
+            <a:pPr lvl="4"/>
+            <a:r>
+              <a:rPr lang="zh-CN" altLang="en-US"/>
+              <a:t>第五级</a:t>
+            </a:r>
+          </a:p>
+        </p:txBody>
+      </p:sp>
+      <p:sp>
+        <p:nvSpPr>
+          <p:cNvPr id="5" name="Rectangle 4"/>
+          <p:cNvSpPr>
+            <a:spLocks noGrp="1" noChangeArrowheads="1"/>
+          </p:cNvSpPr>
+          <p:nvPr>
+            <p:ph type="dt" sz="half" idx="10"/>
+          </p:nvPr>
+        </p:nvSpPr>
+        <p:spPr>
+          <a:ln/>
+        </p:spPr>
+        <p:txBody>
+          <a:bodyPr/>
+          <a:lstStyle>
+            <a:lvl1pPr>
+              <a:defRPr/>
+            </a:lvl1pPr>
+          </a:lstStyle>
+          <a:p>
+            <a:pPr>
+              <a:defRPr/>
+            </a:pPr>
+            <a:endParaRPr lang="zh-CN" altLang="zh-CN"/>
+          </a:p>
+        </p:txBody>
+      </p:sp>
+      <p:sp>
+        <p:nvSpPr>
+          <p:cNvPr id="6" name="Rectangle 5"/>
+          <p:cNvSpPr>
+            <a:spLocks noGrp="1" noChangeArrowheads="1"/>
+          </p:cNvSpPr>
+          <p:nvPr>
+            <p:ph type="ftr" sz="quarter" idx="11"/>
+          </p:nvPr>
+        </p:nvSpPr>
+        <p:spPr>
+          <a:ln/>
+        </p:spPr>
+        <p:txBody>
+          <a:bodyPr/>
+          <a:lstStyle>
+            <a:lvl1pPr>
+              <a:defRPr/>
+            </a:lvl1pPr>
+          </a:lstStyle>
+          <a:p>
+            <a:pPr>
+              <a:defRPr/>
+            </a:pPr>
+            <a:endParaRPr lang="zh-CN" altLang="zh-CN"/>
+          </a:p>
+        </p:txBody>
+      </p:sp>
+      <p:sp>
+        <p:nvSpPr>
+          <p:cNvPr id="7" name="Rectangle 6"/>
+          <p:cNvSpPr>
+            <a:spLocks noGrp="1" noChangeArrowheads="1"/>
+          </p:cNvSpPr>
+          <p:nvPr>
+            <p:ph type="sldNum" sz="quarter" idx="12"/>
+          </p:nvPr>
+        </p:nvSpPr>
+        <p:spPr>
+          <a:ln/>
+        </p:spPr>
+        <p:txBody>
+          <a:bodyPr/>
+          <a:lstStyle>
+            <a:lvl1pPr>
+              <a:defRPr/>
+            </a:lvl1pPr>
+          </a:lstStyle>
+          <a:p>
+            <a:pPr>
+              <a:defRPr/>
+            </a:pPr>
+            <a:fld id="{1F627599-D9E9-4005-A329-11D1FD0C50B8}" type="slidenum">
+              <a:rPr lang="zh-CN" altLang="zh-CN"/>
+              <a:pPr>
+                <a:defRPr/>
+              </a:pPr>
+              <a:t>‹#›</a:t>
+            </a:fld>
+            <a:endParaRPr lang="zh-CN" altLang="zh-CN"/>
+          </a:p>
+        </p:txBody>
+      </p:sp>
+    </p:spTree>
+    <p:extLst>
+      <p:ext uri="{BB962C8B-B14F-4D97-AF65-F5344CB8AC3E}">
+        <p14:creationId xmlns:p14="http://schemas.microsoft.com/office/powerpoint/2010/main" val="2988094526"/>
+      </p:ext>
+    </p:extLst>
+  </p:cSld>
+  <p:clrMapOvr>
+    <a:masterClrMapping/>
+  </p:clrMapOvr>
+</p:sldLayout>
+</file>
+
+<file path=ppt/slideLayouts/slideLayout16.xml><?xml version="1.0" encoding="utf-8"?>
+<p:sldLayout xmlns:a="http://schemas.openxmlformats.org/drawingml/2006/main" xmlns:r="http://schemas.openxmlformats.org/officeDocument/2006/relationships" xmlns:p="http://schemas.openxmlformats.org/presentationml/2006/main" type="twoTxTwoObj" preserve="1">
+  <p:cSld name="比较">
+    <p:spTree>
+      <p:nvGrpSpPr>
+        <p:cNvPr id="1" name=""/>
+        <p:cNvGrpSpPr/>
+        <p:nvPr/>
+      </p:nvGrpSpPr>
+      <p:grpSpPr>
+        <a:xfrm>
+          <a:off x="0" y="0"/>
+          <a:ext cx="0" cy="0"/>
+          <a:chOff x="0" y="0"/>
+          <a:chExt cx="0" cy="0"/>
+        </a:xfrm>
+      </p:grpSpPr>
+      <p:sp>
+        <p:nvSpPr>
+          <p:cNvPr id="2" name="标题 1"/>
+          <p:cNvSpPr>
+            <a:spLocks noGrp="1"/>
+          </p:cNvSpPr>
+          <p:nvPr>
+            <p:ph type="title"/>
+          </p:nvPr>
+        </p:nvSpPr>
+        <p:spPr/>
+        <p:txBody>
+          <a:bodyPr/>
+          <a:lstStyle>
+            <a:lvl1pPr>
+              <a:defRPr/>
+            </a:lvl1pPr>
+          </a:lstStyle>
+          <a:p>
+            <a:r>
+              <a:rPr lang="zh-CN" altLang="en-US"/>
+              <a:t>单击此处编辑母版标题样式</a:t>
+            </a:r>
+          </a:p>
+        </p:txBody>
+      </p:sp>
+      <p:sp>
+        <p:nvSpPr>
+          <p:cNvPr id="3" name="文本占位符 2"/>
+          <p:cNvSpPr>
+            <a:spLocks noGrp="1"/>
+          </p:cNvSpPr>
+          <p:nvPr>
+            <p:ph type="body" idx="1"/>
+          </p:nvPr>
+        </p:nvSpPr>
+        <p:spPr>
+          <a:xfrm>
+            <a:off x="609600" y="1535113"/>
+            <a:ext cx="5386917" cy="639762"/>
+          </a:xfrm>
+        </p:spPr>
+        <p:txBody>
+          <a:bodyPr anchor="b"/>
+          <a:lstStyle>
+            <a:lvl1pPr marL="0" indent="0">
+              <a:buNone/>
+              <a:defRPr sz="2400" b="1"/>
+            </a:lvl1pPr>
+            <a:lvl2pPr marL="457200" indent="0">
+              <a:buNone/>
+              <a:defRPr sz="2000" b="1"/>
+            </a:lvl2pPr>
+            <a:lvl3pPr marL="914400" indent="0">
+              <a:buNone/>
+              <a:defRPr sz="1800" b="1"/>
+            </a:lvl3pPr>
+            <a:lvl4pPr marL="1371600" indent="0">
+              <a:buNone/>
+              <a:defRPr sz="1600" b="1"/>
+            </a:lvl4pPr>
+            <a:lvl5pPr marL="1828800" indent="0">
+              <a:buNone/>
+              <a:defRPr sz="1600" b="1"/>
+            </a:lvl5pPr>
+            <a:lvl6pPr marL="2286000" indent="0">
+              <a:buNone/>
+              <a:defRPr sz="1600" b="1"/>
+            </a:lvl6pPr>
+            <a:lvl7pPr marL="2743200" indent="0">
+              <a:buNone/>
+              <a:defRPr sz="1600" b="1"/>
+            </a:lvl7pPr>
+            <a:lvl8pPr marL="3200400" indent="0">
+              <a:buNone/>
+              <a:defRPr sz="1600" b="1"/>
+            </a:lvl8pPr>
+            <a:lvl9pPr marL="3657600" indent="0">
+              <a:buNone/>
+              <a:defRPr sz="1600" b="1"/>
+            </a:lvl9pPr>
+          </a:lstStyle>
+          <a:p>
+            <a:pPr lvl="0"/>
+            <a:r>
+              <a:rPr lang="zh-CN" altLang="en-US"/>
+              <a:t>单击此处编辑母版文本样式</a:t>
+            </a:r>
+          </a:p>
+        </p:txBody>
+      </p:sp>
+      <p:sp>
+        <p:nvSpPr>
+          <p:cNvPr id="4" name="内容占位符 3"/>
+          <p:cNvSpPr>
+            <a:spLocks noGrp="1"/>
+          </p:cNvSpPr>
+          <p:nvPr>
+            <p:ph sz="half" idx="2"/>
+          </p:nvPr>
+        </p:nvSpPr>
+        <p:spPr>
+          <a:xfrm>
+            <a:off x="609600" y="2174875"/>
+            <a:ext cx="5386917" cy="3951288"/>
+          </a:xfrm>
+        </p:spPr>
+        <p:txBody>
+          <a:bodyPr/>
+          <a:lstStyle>
+            <a:lvl1pPr>
+              <a:defRPr sz="2400"/>
+            </a:lvl1pPr>
+            <a:lvl2pPr>
+              <a:defRPr sz="2000"/>
+            </a:lvl2pPr>
+            <a:lvl3pPr>
+              <a:defRPr sz="1800"/>
+            </a:lvl3pPr>
+            <a:lvl4pPr>
+              <a:defRPr sz="1600"/>
+            </a:lvl4pPr>
+            <a:lvl5pPr>
+              <a:defRPr sz="1600"/>
+            </a:lvl5pPr>
+            <a:lvl6pPr>
+              <a:defRPr sz="1600"/>
+            </a:lvl6pPr>
+            <a:lvl7pPr>
+              <a:defRPr sz="1600"/>
+            </a:lvl7pPr>
+            <a:lvl8pPr>
+              <a:defRPr sz="1600"/>
+            </a:lvl8pPr>
+            <a:lvl9pPr>
+              <a:defRPr sz="1600"/>
+            </a:lvl9pPr>
+          </a:lstStyle>
+          <a:p>
+            <a:pPr lvl="0"/>
+            <a:r>
+              <a:rPr lang="zh-CN" altLang="en-US"/>
+              <a:t>单击此处编辑母版文本样式</a:t>
+            </a:r>
+          </a:p>
+          <a:p>
+            <a:pPr lvl="1"/>
+            <a:r>
+              <a:rPr lang="zh-CN" altLang="en-US"/>
+              <a:t>第二级</a:t>
+            </a:r>
+          </a:p>
+          <a:p>
+            <a:pPr lvl="2"/>
+            <a:r>
+              <a:rPr lang="zh-CN" altLang="en-US"/>
+              <a:t>第三级</a:t>
+            </a:r>
+          </a:p>
+          <a:p>
+            <a:pPr lvl="3"/>
+            <a:r>
+              <a:rPr lang="zh-CN" altLang="en-US"/>
+              <a:t>第四级</a:t>
+            </a:r>
+          </a:p>
+          <a:p>
+            <a:pPr lvl="4"/>
+            <a:r>
+              <a:rPr lang="zh-CN" altLang="en-US"/>
+              <a:t>第五级</a:t>
+            </a:r>
+          </a:p>
+        </p:txBody>
+      </p:sp>
+      <p:sp>
+        <p:nvSpPr>
+          <p:cNvPr id="5" name="文本占位符 4"/>
+          <p:cNvSpPr>
+            <a:spLocks noGrp="1"/>
+          </p:cNvSpPr>
+          <p:nvPr>
+            <p:ph type="body" sz="quarter" idx="3"/>
+          </p:nvPr>
+        </p:nvSpPr>
+        <p:spPr>
+          <a:xfrm>
+            <a:off x="6193368" y="1535113"/>
+            <a:ext cx="5389033" cy="639762"/>
+          </a:xfrm>
+        </p:spPr>
+        <p:txBody>
+          <a:bodyPr anchor="b"/>
+          <a:lstStyle>
+            <a:lvl1pPr marL="0" indent="0">
+              <a:buNone/>
+              <a:defRPr sz="2400" b="1"/>
+            </a:lvl1pPr>
+            <a:lvl2pPr marL="457200" indent="0">
+              <a:buNone/>
+              <a:defRPr sz="2000" b="1"/>
+            </a:lvl2pPr>
+            <a:lvl3pPr marL="914400" indent="0">
+              <a:buNone/>
+              <a:defRPr sz="1800" b="1"/>
+            </a:lvl3pPr>
+            <a:lvl4pPr marL="1371600" indent="0">
+              <a:buNone/>
+              <a:defRPr sz="1600" b="1"/>
+            </a:lvl4pPr>
+            <a:lvl5pPr marL="1828800" indent="0">
+              <a:buNone/>
+              <a:defRPr sz="1600" b="1"/>
+            </a:lvl5pPr>
+            <a:lvl6pPr marL="2286000" indent="0">
+              <a:buNone/>
+              <a:defRPr sz="1600" b="1"/>
+            </a:lvl6pPr>
+            <a:lvl7pPr marL="2743200" indent="0">
+              <a:buNone/>
+              <a:defRPr sz="1600" b="1"/>
+            </a:lvl7pPr>
+            <a:lvl8pPr marL="3200400" indent="0">
+              <a:buNone/>
+              <a:defRPr sz="1600" b="1"/>
+            </a:lvl8pPr>
+            <a:lvl9pPr marL="3657600" indent="0">
+              <a:buNone/>
+              <a:defRPr sz="1600" b="1"/>
+            </a:lvl9pPr>
+          </a:lstStyle>
+          <a:p>
+            <a:pPr lvl="0"/>
+            <a:r>
+              <a:rPr lang="zh-CN" altLang="en-US"/>
+              <a:t>单击此处编辑母版文本样式</a:t>
+            </a:r>
+          </a:p>
+        </p:txBody>
+      </p:sp>
+      <p:sp>
+        <p:nvSpPr>
+          <p:cNvPr id="6" name="内容占位符 5"/>
+          <p:cNvSpPr>
+            <a:spLocks noGrp="1"/>
+          </p:cNvSpPr>
+          <p:nvPr>
+            <p:ph sz="quarter" idx="4"/>
+          </p:nvPr>
+        </p:nvSpPr>
+        <p:spPr>
+          <a:xfrm>
+            <a:off x="6193368" y="2174875"/>
+            <a:ext cx="5389033" cy="3951288"/>
+          </a:xfrm>
+        </p:spPr>
+        <p:txBody>
+          <a:bodyPr/>
+          <a:lstStyle>
+            <a:lvl1pPr>
+              <a:defRPr sz="2400"/>
+            </a:lvl1pPr>
+            <a:lvl2pPr>
+              <a:defRPr sz="2000"/>
+            </a:lvl2pPr>
+            <a:lvl3pPr>
+              <a:defRPr sz="1800"/>
+            </a:lvl3pPr>
+            <a:lvl4pPr>
+              <a:defRPr sz="1600"/>
+            </a:lvl4pPr>
+            <a:lvl5pPr>
+              <a:defRPr sz="1600"/>
+            </a:lvl5pPr>
+            <a:lvl6pPr>
+              <a:defRPr sz="1600"/>
+            </a:lvl6pPr>
+            <a:lvl7pPr>
+              <a:defRPr sz="1600"/>
+            </a:lvl7pPr>
+            <a:lvl8pPr>
+              <a:defRPr sz="1600"/>
+            </a:lvl8pPr>
+            <a:lvl9pPr>
+              <a:defRPr sz="1600"/>
+            </a:lvl9pPr>
+          </a:lstStyle>
+          <a:p>
+            <a:pPr lvl="0"/>
+            <a:r>
+              <a:rPr lang="zh-CN" altLang="en-US"/>
+              <a:t>单击此处编辑母版文本样式</a:t>
+            </a:r>
+          </a:p>
+          <a:p>
+            <a:pPr lvl="1"/>
+            <a:r>
+              <a:rPr lang="zh-CN" altLang="en-US"/>
+              <a:t>第二级</a:t>
+            </a:r>
+          </a:p>
+          <a:p>
+            <a:pPr lvl="2"/>
+            <a:r>
+              <a:rPr lang="zh-CN" altLang="en-US"/>
+              <a:t>第三级</a:t>
+            </a:r>
+          </a:p>
+          <a:p>
+            <a:pPr lvl="3"/>
+            <a:r>
+              <a:rPr lang="zh-CN" altLang="en-US"/>
+              <a:t>第四级</a:t>
+            </a:r>
+          </a:p>
+          <a:p>
+            <a:pPr lvl="4"/>
+            <a:r>
+              <a:rPr lang="zh-CN" altLang="en-US"/>
+              <a:t>第五级</a:t>
+            </a:r>
+          </a:p>
+        </p:txBody>
+      </p:sp>
+      <p:sp>
+        <p:nvSpPr>
+          <p:cNvPr id="7" name="Rectangle 4"/>
+          <p:cNvSpPr>
+            <a:spLocks noGrp="1" noChangeArrowheads="1"/>
+          </p:cNvSpPr>
+          <p:nvPr>
+            <p:ph type="dt" sz="half" idx="10"/>
+          </p:nvPr>
+        </p:nvSpPr>
+        <p:spPr>
+          <a:ln/>
+        </p:spPr>
+        <p:txBody>
+          <a:bodyPr/>
+          <a:lstStyle>
+            <a:lvl1pPr>
+              <a:defRPr/>
+            </a:lvl1pPr>
+          </a:lstStyle>
+          <a:p>
+            <a:pPr>
+              <a:defRPr/>
+            </a:pPr>
+            <a:endParaRPr lang="zh-CN" altLang="zh-CN"/>
+          </a:p>
+        </p:txBody>
+      </p:sp>
+      <p:sp>
+        <p:nvSpPr>
+          <p:cNvPr id="8" name="Rectangle 5"/>
+          <p:cNvSpPr>
+            <a:spLocks noGrp="1" noChangeArrowheads="1"/>
+          </p:cNvSpPr>
+          <p:nvPr>
+            <p:ph type="ftr" sz="quarter" idx="11"/>
+          </p:nvPr>
+        </p:nvSpPr>
+        <p:spPr>
+          <a:ln/>
+        </p:spPr>
+        <p:txBody>
+          <a:bodyPr/>
+          <a:lstStyle>
+            <a:lvl1pPr>
+              <a:defRPr/>
+            </a:lvl1pPr>
+          </a:lstStyle>
+          <a:p>
+            <a:pPr>
+              <a:defRPr/>
+            </a:pPr>
+            <a:endParaRPr lang="zh-CN" altLang="zh-CN"/>
+          </a:p>
+        </p:txBody>
+      </p:sp>
+      <p:sp>
+        <p:nvSpPr>
+          <p:cNvPr id="9" name="Rectangle 6"/>
+          <p:cNvSpPr>
+            <a:spLocks noGrp="1" noChangeArrowheads="1"/>
+          </p:cNvSpPr>
+          <p:nvPr>
+            <p:ph type="sldNum" sz="quarter" idx="12"/>
+          </p:nvPr>
+        </p:nvSpPr>
+        <p:spPr>
+          <a:ln/>
+        </p:spPr>
+        <p:txBody>
+          <a:bodyPr/>
+          <a:lstStyle>
+            <a:lvl1pPr>
+              <a:defRPr/>
+            </a:lvl1pPr>
+          </a:lstStyle>
+          <a:p>
+            <a:pPr>
+              <a:defRPr/>
+            </a:pPr>
+            <a:fld id="{85B57BCF-69D3-4D53-AD07-22822B491EC1}" type="slidenum">
+              <a:rPr lang="zh-CN" altLang="zh-CN"/>
+              <a:pPr>
+                <a:defRPr/>
+              </a:pPr>
+              <a:t>‹#›</a:t>
+            </a:fld>
+            <a:endParaRPr lang="zh-CN" altLang="zh-CN"/>
+          </a:p>
+        </p:txBody>
+      </p:sp>
+    </p:spTree>
+    <p:extLst>
+      <p:ext uri="{BB962C8B-B14F-4D97-AF65-F5344CB8AC3E}">
+        <p14:creationId xmlns:p14="http://schemas.microsoft.com/office/powerpoint/2010/main" val="3207453141"/>
+      </p:ext>
+    </p:extLst>
+  </p:cSld>
+  <p:clrMapOvr>
+    <a:masterClrMapping/>
+  </p:clrMapOvr>
+</p:sldLayout>
+</file>
+
+<file path=ppt/slideLayouts/slideLayout17.xml><?xml version="1.0" encoding="utf-8"?>
+<p:sldLayout xmlns:a="http://schemas.openxmlformats.org/drawingml/2006/main" xmlns:r="http://schemas.openxmlformats.org/officeDocument/2006/relationships" xmlns:p="http://schemas.openxmlformats.org/presentationml/2006/main" type="titleOnly" preserve="1">
+  <p:cSld name="仅标题">
+    <p:spTree>
+      <p:nvGrpSpPr>
+        <p:cNvPr id="1" name=""/>
+        <p:cNvGrpSpPr/>
+        <p:nvPr/>
+      </p:nvGrpSpPr>
+      <p:grpSpPr>
+        <a:xfrm>
+          <a:off x="0" y="0"/>
+          <a:ext cx="0" cy="0"/>
+          <a:chOff x="0" y="0"/>
+          <a:chExt cx="0" cy="0"/>
+        </a:xfrm>
+      </p:grpSpPr>
+      <p:sp>
+        <p:nvSpPr>
+          <p:cNvPr id="2" name="标题 1"/>
+          <p:cNvSpPr>
+            <a:spLocks noGrp="1"/>
+          </p:cNvSpPr>
+          <p:nvPr>
+            <p:ph type="title"/>
+          </p:nvPr>
+        </p:nvSpPr>
+        <p:spPr/>
+        <p:txBody>
+          <a:bodyPr/>
+          <a:lstStyle/>
+          <a:p>
+            <a:r>
+              <a:rPr lang="zh-CN" altLang="en-US"/>
+              <a:t>单击此处编辑母版标题样式</a:t>
+            </a:r>
+          </a:p>
+        </p:txBody>
+      </p:sp>
+      <p:sp>
+        <p:nvSpPr>
+          <p:cNvPr id="3" name="Rectangle 4"/>
+          <p:cNvSpPr>
+            <a:spLocks noGrp="1" noChangeArrowheads="1"/>
+          </p:cNvSpPr>
+          <p:nvPr>
+            <p:ph type="dt" sz="half" idx="10"/>
+          </p:nvPr>
+        </p:nvSpPr>
+        <p:spPr>
+          <a:ln/>
+        </p:spPr>
+        <p:txBody>
+          <a:bodyPr/>
+          <a:lstStyle>
+            <a:lvl1pPr>
+              <a:defRPr/>
+            </a:lvl1pPr>
+          </a:lstStyle>
+          <a:p>
+            <a:pPr>
+              <a:defRPr/>
+            </a:pPr>
+            <a:endParaRPr lang="zh-CN" altLang="zh-CN"/>
+          </a:p>
+        </p:txBody>
+      </p:sp>
+      <p:sp>
+        <p:nvSpPr>
+          <p:cNvPr id="4" name="Rectangle 5"/>
+          <p:cNvSpPr>
+            <a:spLocks noGrp="1" noChangeArrowheads="1"/>
+          </p:cNvSpPr>
+          <p:nvPr>
+            <p:ph type="ftr" sz="quarter" idx="11"/>
+          </p:nvPr>
+        </p:nvSpPr>
+        <p:spPr>
+          <a:ln/>
+        </p:spPr>
+        <p:txBody>
+          <a:bodyPr/>
+          <a:lstStyle>
+            <a:lvl1pPr>
+              <a:defRPr/>
+            </a:lvl1pPr>
+          </a:lstStyle>
+          <a:p>
+            <a:pPr>
+              <a:defRPr/>
+            </a:pPr>
+            <a:endParaRPr lang="zh-CN" altLang="zh-CN"/>
+          </a:p>
+        </p:txBody>
+      </p:sp>
+      <p:sp>
+        <p:nvSpPr>
+          <p:cNvPr id="5" name="Rectangle 6"/>
+          <p:cNvSpPr>
+            <a:spLocks noGrp="1" noChangeArrowheads="1"/>
+          </p:cNvSpPr>
+          <p:nvPr>
+            <p:ph type="sldNum" sz="quarter" idx="12"/>
+          </p:nvPr>
+        </p:nvSpPr>
+        <p:spPr>
+          <a:ln/>
+        </p:spPr>
+        <p:txBody>
+          <a:bodyPr/>
+          <a:lstStyle>
+            <a:lvl1pPr>
+              <a:defRPr/>
+            </a:lvl1pPr>
+          </a:lstStyle>
+          <a:p>
+            <a:pPr>
+              <a:defRPr/>
+            </a:pPr>
+            <a:fld id="{C0BEB8CE-84C3-47E0-ABB0-086542D0ECA2}" type="slidenum">
+              <a:rPr lang="zh-CN" altLang="zh-CN"/>
+              <a:pPr>
+                <a:defRPr/>
+              </a:pPr>
+              <a:t>‹#›</a:t>
+            </a:fld>
+            <a:endParaRPr lang="zh-CN" altLang="zh-CN"/>
+          </a:p>
+        </p:txBody>
+      </p:sp>
+    </p:spTree>
+    <p:extLst>
+      <p:ext uri="{BB962C8B-B14F-4D97-AF65-F5344CB8AC3E}">
+        <p14:creationId xmlns:p14="http://schemas.microsoft.com/office/powerpoint/2010/main" val="667097614"/>
+      </p:ext>
+    </p:extLst>
+  </p:cSld>
+  <p:clrMapOvr>
+    <a:masterClrMapping/>
+  </p:clrMapOvr>
+</p:sldLayout>
+</file>
+
+<file path=ppt/slideLayouts/slideLayout18.xml><?xml version="1.0" encoding="utf-8"?>
+<p:sldLayout xmlns:a="http://schemas.openxmlformats.org/drawingml/2006/main" xmlns:r="http://schemas.openxmlformats.org/officeDocument/2006/relationships" xmlns:p="http://schemas.openxmlformats.org/presentationml/2006/main" type="blank" preserve="1">
+  <p:cSld name="空白">
+    <p:spTree>
+      <p:nvGrpSpPr>
+        <p:cNvPr id="1" name=""/>
+        <p:cNvGrpSpPr/>
+        <p:nvPr/>
+      </p:nvGrpSpPr>
+      <p:grpSpPr>
+        <a:xfrm>
+          <a:off x="0" y="0"/>
+          <a:ext cx="0" cy="0"/>
+          <a:chOff x="0" y="0"/>
+          <a:chExt cx="0" cy="0"/>
+        </a:xfrm>
+      </p:grpSpPr>
+      <p:sp>
+        <p:nvSpPr>
+          <p:cNvPr id="2" name="Rectangle 4"/>
+          <p:cNvSpPr>
+            <a:spLocks noGrp="1" noChangeArrowheads="1"/>
+          </p:cNvSpPr>
+          <p:nvPr>
+            <p:ph type="dt" sz="half" idx="10"/>
+          </p:nvPr>
+        </p:nvSpPr>
+        <p:spPr>
+          <a:ln/>
+        </p:spPr>
+        <p:txBody>
+          <a:bodyPr/>
+          <a:lstStyle>
+            <a:lvl1pPr>
+              <a:defRPr/>
+            </a:lvl1pPr>
+          </a:lstStyle>
+          <a:p>
+            <a:pPr>
+              <a:defRPr/>
+            </a:pPr>
+            <a:endParaRPr lang="zh-CN" altLang="zh-CN"/>
+          </a:p>
+        </p:txBody>
+      </p:sp>
+      <p:sp>
+        <p:nvSpPr>
+          <p:cNvPr id="3" name="Rectangle 5"/>
+          <p:cNvSpPr>
+            <a:spLocks noGrp="1" noChangeArrowheads="1"/>
+          </p:cNvSpPr>
+          <p:nvPr>
+            <p:ph type="ftr" sz="quarter" idx="11"/>
+          </p:nvPr>
+        </p:nvSpPr>
+        <p:spPr>
+          <a:ln/>
+        </p:spPr>
+        <p:txBody>
+          <a:bodyPr/>
+          <a:lstStyle>
+            <a:lvl1pPr>
+              <a:defRPr/>
+            </a:lvl1pPr>
+          </a:lstStyle>
+          <a:p>
+            <a:pPr>
+              <a:defRPr/>
+            </a:pPr>
+            <a:endParaRPr lang="zh-CN" altLang="zh-CN"/>
+          </a:p>
+        </p:txBody>
+      </p:sp>
+      <p:sp>
+        <p:nvSpPr>
+          <p:cNvPr id="4" name="Rectangle 6"/>
+          <p:cNvSpPr>
+            <a:spLocks noGrp="1" noChangeArrowheads="1"/>
+          </p:cNvSpPr>
+          <p:nvPr>
+            <p:ph type="sldNum" sz="quarter" idx="12"/>
+          </p:nvPr>
+        </p:nvSpPr>
+        <p:spPr>
+          <a:ln/>
+        </p:spPr>
+        <p:txBody>
+          <a:bodyPr/>
+          <a:lstStyle>
+            <a:lvl1pPr>
+              <a:defRPr/>
+            </a:lvl1pPr>
+          </a:lstStyle>
+          <a:p>
+            <a:pPr>
+              <a:defRPr/>
+            </a:pPr>
+            <a:fld id="{38DE3606-1C9C-40C5-AB01-5F6D6A0DEAB3}" type="slidenum">
+              <a:rPr lang="zh-CN" altLang="zh-CN"/>
+              <a:pPr>
+                <a:defRPr/>
+              </a:pPr>
+              <a:t>‹#›</a:t>
+            </a:fld>
+            <a:endParaRPr lang="zh-CN" altLang="zh-CN"/>
+          </a:p>
+        </p:txBody>
+      </p:sp>
+    </p:spTree>
+    <p:extLst>
+      <p:ext uri="{BB962C8B-B14F-4D97-AF65-F5344CB8AC3E}">
+        <p14:creationId xmlns:p14="http://schemas.microsoft.com/office/powerpoint/2010/main" val="1478555458"/>
+      </p:ext>
+    </p:extLst>
+  </p:cSld>
+  <p:clrMapOvr>
+    <a:masterClrMapping/>
+  </p:clrMapOvr>
+</p:sldLayout>
+</file>
+
+<file path=ppt/slideLayouts/slideLayout19.xml><?xml version="1.0" encoding="utf-8"?>
+<p:sldLayout xmlns:a="http://schemas.openxmlformats.org/drawingml/2006/main" xmlns:r="http://schemas.openxmlformats.org/officeDocument/2006/relationships" xmlns:p="http://schemas.openxmlformats.org/presentationml/2006/main" type="objTx" preserve="1">
+  <p:cSld name="内容与标题">
+    <p:spTree>
+      <p:nvGrpSpPr>
+        <p:cNvPr id="1" name=""/>
+        <p:cNvGrpSpPr/>
+        <p:nvPr/>
+      </p:nvGrpSpPr>
+      <p:grpSpPr>
+        <a:xfrm>
+          <a:off x="0" y="0"/>
+          <a:ext cx="0" cy="0"/>
+          <a:chOff x="0" y="0"/>
+          <a:chExt cx="0" cy="0"/>
+        </a:xfrm>
+      </p:grpSpPr>
+      <p:sp>
+        <p:nvSpPr>
+          <p:cNvPr id="2" name="标题 1"/>
+          <p:cNvSpPr>
+            <a:spLocks noGrp="1"/>
+          </p:cNvSpPr>
+          <p:nvPr>
+            <p:ph type="title"/>
+          </p:nvPr>
+        </p:nvSpPr>
+        <p:spPr>
+          <a:xfrm>
+            <a:off x="609601" y="273050"/>
+            <a:ext cx="4011084" cy="1162050"/>
+          </a:xfrm>
+        </p:spPr>
+        <p:txBody>
+          <a:bodyPr anchor="b"/>
+          <a:lstStyle>
+            <a:lvl1pPr algn="l">
+              <a:defRPr sz="2000" b="1"/>
+            </a:lvl1pPr>
+          </a:lstStyle>
+          <a:p>
+            <a:r>
+              <a:rPr lang="zh-CN" altLang="en-US"/>
+              <a:t>单击此处编辑母版标题样式</a:t>
+            </a:r>
+          </a:p>
+        </p:txBody>
+      </p:sp>
+      <p:sp>
+        <p:nvSpPr>
+          <p:cNvPr id="3" name="内容占位符 2"/>
+          <p:cNvSpPr>
+            <a:spLocks noGrp="1"/>
+          </p:cNvSpPr>
+          <p:nvPr>
+            <p:ph idx="1"/>
+          </p:nvPr>
+        </p:nvSpPr>
+        <p:spPr>
+          <a:xfrm>
+            <a:off x="4766733" y="273051"/>
+            <a:ext cx="6815667" cy="5853113"/>
+          </a:xfrm>
+        </p:spPr>
+        <p:txBody>
+          <a:bodyPr/>
+          <a:lstStyle>
+            <a:lvl1pPr>
+              <a:defRPr sz="3200"/>
+            </a:lvl1pPr>
+            <a:lvl2pPr>
+              <a:defRPr sz="2800"/>
+            </a:lvl2pPr>
+            <a:lvl3pPr>
+              <a:defRPr sz="2400"/>
+            </a:lvl3pPr>
+            <a:lvl4pPr>
+              <a:defRPr sz="2000"/>
+            </a:lvl4pPr>
+            <a:lvl5pPr>
+              <a:defRPr sz="2000"/>
+            </a:lvl5pPr>
+            <a:lvl6pPr>
+              <a:defRPr sz="2000"/>
+            </a:lvl6pPr>
+            <a:lvl7pPr>
+              <a:defRPr sz="2000"/>
+            </a:lvl7pPr>
+            <a:lvl8pPr>
+              <a:defRPr sz="2000"/>
+            </a:lvl8pPr>
+            <a:lvl9pPr>
+              <a:defRPr sz="2000"/>
+            </a:lvl9pPr>
+          </a:lstStyle>
+          <a:p>
+            <a:pPr lvl="0"/>
+            <a:r>
+              <a:rPr lang="zh-CN" altLang="en-US"/>
+              <a:t>单击此处编辑母版文本样式</a:t>
+            </a:r>
+          </a:p>
+          <a:p>
+            <a:pPr lvl="1"/>
+            <a:r>
+              <a:rPr lang="zh-CN" altLang="en-US"/>
+              <a:t>第二级</a:t>
+            </a:r>
+          </a:p>
+          <a:p>
+            <a:pPr lvl="2"/>
+            <a:r>
+              <a:rPr lang="zh-CN" altLang="en-US"/>
+              <a:t>第三级</a:t>
+            </a:r>
+          </a:p>
+          <a:p>
+            <a:pPr lvl="3"/>
+            <a:r>
+              <a:rPr lang="zh-CN" altLang="en-US"/>
+              <a:t>第四级</a:t>
+            </a:r>
+          </a:p>
+          <a:p>
+            <a:pPr lvl="4"/>
+            <a:r>
+              <a:rPr lang="zh-CN" altLang="en-US"/>
+              <a:t>第五级</a:t>
+            </a:r>
+          </a:p>
+        </p:txBody>
+      </p:sp>
+      <p:sp>
+        <p:nvSpPr>
+          <p:cNvPr id="4" name="文本占位符 3"/>
+          <p:cNvSpPr>
+            <a:spLocks noGrp="1"/>
+          </p:cNvSpPr>
+          <p:nvPr>
+            <p:ph type="body" sz="half" idx="2"/>
+          </p:nvPr>
+        </p:nvSpPr>
+        <p:spPr>
+          <a:xfrm>
+            <a:off x="609601" y="1435101"/>
+            <a:ext cx="4011084" cy="4691063"/>
+          </a:xfrm>
+        </p:spPr>
+        <p:txBody>
+          <a:bodyPr/>
+          <a:lstStyle>
+            <a:lvl1pPr marL="0" indent="0">
+              <a:buNone/>
+              <a:defRPr sz="1400"/>
+            </a:lvl1pPr>
+            <a:lvl2pPr marL="457200" indent="0">
+              <a:buNone/>
+              <a:defRPr sz="1200"/>
+            </a:lvl2pPr>
+            <a:lvl3pPr marL="914400" indent="0">
+              <a:buNone/>
+              <a:defRPr sz="1000"/>
+            </a:lvl3pPr>
+            <a:lvl4pPr marL="1371600" indent="0">
+              <a:buNone/>
+              <a:defRPr sz="900"/>
+            </a:lvl4pPr>
+            <a:lvl5pPr marL="1828800" indent="0">
+              <a:buNone/>
+              <a:defRPr sz="900"/>
+            </a:lvl5pPr>
+            <a:lvl6pPr marL="2286000" indent="0">
+              <a:buNone/>
+              <a:defRPr sz="900"/>
+            </a:lvl6pPr>
+            <a:lvl7pPr marL="2743200" indent="0">
+              <a:buNone/>
+              <a:defRPr sz="900"/>
+            </a:lvl7pPr>
+            <a:lvl8pPr marL="3200400" indent="0">
+              <a:buNone/>
+              <a:defRPr sz="900"/>
+            </a:lvl8pPr>
+            <a:lvl9pPr marL="3657600" indent="0">
+              <a:buNone/>
+              <a:defRPr sz="900"/>
+            </a:lvl9pPr>
+          </a:lstStyle>
+          <a:p>
+            <a:pPr lvl="0"/>
+            <a:r>
+              <a:rPr lang="zh-CN" altLang="en-US"/>
+              <a:t>单击此处编辑母版文本样式</a:t>
+            </a:r>
+          </a:p>
+        </p:txBody>
+      </p:sp>
+      <p:sp>
+        <p:nvSpPr>
+          <p:cNvPr id="5" name="Rectangle 4"/>
+          <p:cNvSpPr>
+            <a:spLocks noGrp="1" noChangeArrowheads="1"/>
+          </p:cNvSpPr>
+          <p:nvPr>
+            <p:ph type="dt" sz="half" idx="10"/>
+          </p:nvPr>
+        </p:nvSpPr>
+        <p:spPr>
+          <a:ln/>
+        </p:spPr>
+        <p:txBody>
+          <a:bodyPr/>
+          <a:lstStyle>
+            <a:lvl1pPr>
+              <a:defRPr/>
+            </a:lvl1pPr>
+          </a:lstStyle>
+          <a:p>
+            <a:pPr>
+              <a:defRPr/>
+            </a:pPr>
+            <a:endParaRPr lang="zh-CN" altLang="zh-CN"/>
+          </a:p>
+        </p:txBody>
+      </p:sp>
+      <p:sp>
+        <p:nvSpPr>
+          <p:cNvPr id="6" name="Rectangle 5"/>
+          <p:cNvSpPr>
+            <a:spLocks noGrp="1" noChangeArrowheads="1"/>
+          </p:cNvSpPr>
+          <p:nvPr>
+            <p:ph type="ftr" sz="quarter" idx="11"/>
+          </p:nvPr>
+        </p:nvSpPr>
+        <p:spPr>
+          <a:ln/>
+        </p:spPr>
+        <p:txBody>
+          <a:bodyPr/>
+          <a:lstStyle>
+            <a:lvl1pPr>
+              <a:defRPr/>
+            </a:lvl1pPr>
+          </a:lstStyle>
+          <a:p>
+            <a:pPr>
+              <a:defRPr/>
+            </a:pPr>
+            <a:endParaRPr lang="zh-CN" altLang="zh-CN"/>
+          </a:p>
+        </p:txBody>
+      </p:sp>
+      <p:sp>
+        <p:nvSpPr>
+          <p:cNvPr id="7" name="Rectangle 6"/>
+          <p:cNvSpPr>
+            <a:spLocks noGrp="1" noChangeArrowheads="1"/>
+          </p:cNvSpPr>
+          <p:nvPr>
+            <p:ph type="sldNum" sz="quarter" idx="12"/>
+          </p:nvPr>
+        </p:nvSpPr>
+        <p:spPr>
+          <a:ln/>
+        </p:spPr>
+        <p:txBody>
+          <a:bodyPr/>
+          <a:lstStyle>
+            <a:lvl1pPr>
+              <a:defRPr/>
+            </a:lvl1pPr>
+          </a:lstStyle>
+          <a:p>
+            <a:pPr>
+              <a:defRPr/>
+            </a:pPr>
+            <a:fld id="{53350699-BFCD-483E-8522-7819F1EA8C02}" type="slidenum">
+              <a:rPr lang="zh-CN" altLang="zh-CN"/>
+              <a:pPr>
+                <a:defRPr/>
+              </a:pPr>
+              <a:t>‹#›</a:t>
+            </a:fld>
+            <a:endParaRPr lang="zh-CN" altLang="zh-CN"/>
+          </a:p>
+        </p:txBody>
+      </p:sp>
+    </p:spTree>
+    <p:extLst>
+      <p:ext uri="{BB962C8B-B14F-4D97-AF65-F5344CB8AC3E}">
+        <p14:creationId xmlns:p14="http://schemas.microsoft.com/office/powerpoint/2010/main" val="2402603550"/>
+      </p:ext>
+    </p:extLst>
+  </p:cSld>
+  <p:clrMapOvr>
+    <a:masterClrMapping/>
+  </p:clrMapOvr>
+</p:sldLayout>
+</file>
+
 <file path=ppt/slideLayouts/slideLayout2.xml><?xml version="1.0" encoding="utf-8"?>
 <p:sldLayout xmlns:a="http://schemas.openxmlformats.org/drawingml/2006/main" xmlns:r="http://schemas.openxmlformats.org/officeDocument/2006/relationships" xmlns:p="http://schemas.openxmlformats.org/presentationml/2006/main" type="obj" preserve="1">
   <p:cSld name="标题和内容">
@@ -922,6 +2872,683 @@
     <p:extLst>
       <p:ext uri="{BB962C8B-B14F-4D97-AF65-F5344CB8AC3E}">
         <p14:creationId xmlns:p14="http://schemas.microsoft.com/office/powerpoint/2010/main" val="475412194"/>
+      </p:ext>
+    </p:extLst>
+  </p:cSld>
+  <p:clrMapOvr>
+    <a:masterClrMapping/>
+  </p:clrMapOvr>
+</p:sldLayout>
+</file>
+
+<file path=ppt/slideLayouts/slideLayout20.xml><?xml version="1.0" encoding="utf-8"?>
+<p:sldLayout xmlns:a="http://schemas.openxmlformats.org/drawingml/2006/main" xmlns:r="http://schemas.openxmlformats.org/officeDocument/2006/relationships" xmlns:p="http://schemas.openxmlformats.org/presentationml/2006/main" type="picTx" preserve="1">
+  <p:cSld name="图片与标题">
+    <p:spTree>
+      <p:nvGrpSpPr>
+        <p:cNvPr id="1" name=""/>
+        <p:cNvGrpSpPr/>
+        <p:nvPr/>
+      </p:nvGrpSpPr>
+      <p:grpSpPr>
+        <a:xfrm>
+          <a:off x="0" y="0"/>
+          <a:ext cx="0" cy="0"/>
+          <a:chOff x="0" y="0"/>
+          <a:chExt cx="0" cy="0"/>
+        </a:xfrm>
+      </p:grpSpPr>
+      <p:sp>
+        <p:nvSpPr>
+          <p:cNvPr id="2" name="标题 1"/>
+          <p:cNvSpPr>
+            <a:spLocks noGrp="1"/>
+          </p:cNvSpPr>
+          <p:nvPr>
+            <p:ph type="title"/>
+          </p:nvPr>
+        </p:nvSpPr>
+        <p:spPr>
+          <a:xfrm>
+            <a:off x="2389717" y="4800600"/>
+            <a:ext cx="7315200" cy="566738"/>
+          </a:xfrm>
+        </p:spPr>
+        <p:txBody>
+          <a:bodyPr anchor="b"/>
+          <a:lstStyle>
+            <a:lvl1pPr algn="l">
+              <a:defRPr sz="2000" b="1"/>
+            </a:lvl1pPr>
+          </a:lstStyle>
+          <a:p>
+            <a:r>
+              <a:rPr lang="zh-CN" altLang="en-US"/>
+              <a:t>单击此处编辑母版标题样式</a:t>
+            </a:r>
+          </a:p>
+        </p:txBody>
+      </p:sp>
+      <p:sp>
+        <p:nvSpPr>
+          <p:cNvPr id="3" name="图片占位符 2"/>
+          <p:cNvSpPr>
+            <a:spLocks noGrp="1"/>
+          </p:cNvSpPr>
+          <p:nvPr>
+            <p:ph type="pic" idx="1"/>
+          </p:nvPr>
+        </p:nvSpPr>
+        <p:spPr>
+          <a:xfrm>
+            <a:off x="2389717" y="612775"/>
+            <a:ext cx="7315200" cy="4114800"/>
+          </a:xfrm>
+        </p:spPr>
+        <p:txBody>
+          <a:bodyPr/>
+          <a:lstStyle>
+            <a:lvl1pPr marL="0" indent="0">
+              <a:buNone/>
+              <a:defRPr sz="3200"/>
+            </a:lvl1pPr>
+            <a:lvl2pPr marL="457200" indent="0">
+              <a:buNone/>
+              <a:defRPr sz="2800"/>
+            </a:lvl2pPr>
+            <a:lvl3pPr marL="914400" indent="0">
+              <a:buNone/>
+              <a:defRPr sz="2400"/>
+            </a:lvl3pPr>
+            <a:lvl4pPr marL="1371600" indent="0">
+              <a:buNone/>
+              <a:defRPr sz="2000"/>
+            </a:lvl4pPr>
+            <a:lvl5pPr marL="1828800" indent="0">
+              <a:buNone/>
+              <a:defRPr sz="2000"/>
+            </a:lvl5pPr>
+            <a:lvl6pPr marL="2286000" indent="0">
+              <a:buNone/>
+              <a:defRPr sz="2000"/>
+            </a:lvl6pPr>
+            <a:lvl7pPr marL="2743200" indent="0">
+              <a:buNone/>
+              <a:defRPr sz="2000"/>
+            </a:lvl7pPr>
+            <a:lvl8pPr marL="3200400" indent="0">
+              <a:buNone/>
+              <a:defRPr sz="2000"/>
+            </a:lvl8pPr>
+            <a:lvl9pPr marL="3657600" indent="0">
+              <a:buNone/>
+              <a:defRPr sz="2000"/>
+            </a:lvl9pPr>
+          </a:lstStyle>
+          <a:p>
+            <a:pPr lvl="0"/>
+            <a:endParaRPr lang="zh-CN" altLang="en-US" noProof="0"/>
+          </a:p>
+        </p:txBody>
+      </p:sp>
+      <p:sp>
+        <p:nvSpPr>
+          <p:cNvPr id="4" name="文本占位符 3"/>
+          <p:cNvSpPr>
+            <a:spLocks noGrp="1"/>
+          </p:cNvSpPr>
+          <p:nvPr>
+            <p:ph type="body" sz="half" idx="2"/>
+          </p:nvPr>
+        </p:nvSpPr>
+        <p:spPr>
+          <a:xfrm>
+            <a:off x="2389717" y="5367338"/>
+            <a:ext cx="7315200" cy="804862"/>
+          </a:xfrm>
+        </p:spPr>
+        <p:txBody>
+          <a:bodyPr/>
+          <a:lstStyle>
+            <a:lvl1pPr marL="0" indent="0">
+              <a:buNone/>
+              <a:defRPr sz="1400"/>
+            </a:lvl1pPr>
+            <a:lvl2pPr marL="457200" indent="0">
+              <a:buNone/>
+              <a:defRPr sz="1200"/>
+            </a:lvl2pPr>
+            <a:lvl3pPr marL="914400" indent="0">
+              <a:buNone/>
+              <a:defRPr sz="1000"/>
+            </a:lvl3pPr>
+            <a:lvl4pPr marL="1371600" indent="0">
+              <a:buNone/>
+              <a:defRPr sz="900"/>
+            </a:lvl4pPr>
+            <a:lvl5pPr marL="1828800" indent="0">
+              <a:buNone/>
+              <a:defRPr sz="900"/>
+            </a:lvl5pPr>
+            <a:lvl6pPr marL="2286000" indent="0">
+              <a:buNone/>
+              <a:defRPr sz="900"/>
+            </a:lvl6pPr>
+            <a:lvl7pPr marL="2743200" indent="0">
+              <a:buNone/>
+              <a:defRPr sz="900"/>
+            </a:lvl7pPr>
+            <a:lvl8pPr marL="3200400" indent="0">
+              <a:buNone/>
+              <a:defRPr sz="900"/>
+            </a:lvl8pPr>
+            <a:lvl9pPr marL="3657600" indent="0">
+              <a:buNone/>
+              <a:defRPr sz="900"/>
+            </a:lvl9pPr>
+          </a:lstStyle>
+          <a:p>
+            <a:pPr lvl="0"/>
+            <a:r>
+              <a:rPr lang="zh-CN" altLang="en-US"/>
+              <a:t>单击此处编辑母版文本样式</a:t>
+            </a:r>
+          </a:p>
+        </p:txBody>
+      </p:sp>
+      <p:sp>
+        <p:nvSpPr>
+          <p:cNvPr id="5" name="Rectangle 4"/>
+          <p:cNvSpPr>
+            <a:spLocks noGrp="1" noChangeArrowheads="1"/>
+          </p:cNvSpPr>
+          <p:nvPr>
+            <p:ph type="dt" sz="half" idx="10"/>
+          </p:nvPr>
+        </p:nvSpPr>
+        <p:spPr>
+          <a:ln/>
+        </p:spPr>
+        <p:txBody>
+          <a:bodyPr/>
+          <a:lstStyle>
+            <a:lvl1pPr>
+              <a:defRPr/>
+            </a:lvl1pPr>
+          </a:lstStyle>
+          <a:p>
+            <a:pPr>
+              <a:defRPr/>
+            </a:pPr>
+            <a:endParaRPr lang="zh-CN" altLang="zh-CN"/>
+          </a:p>
+        </p:txBody>
+      </p:sp>
+      <p:sp>
+        <p:nvSpPr>
+          <p:cNvPr id="6" name="Rectangle 5"/>
+          <p:cNvSpPr>
+            <a:spLocks noGrp="1" noChangeArrowheads="1"/>
+          </p:cNvSpPr>
+          <p:nvPr>
+            <p:ph type="ftr" sz="quarter" idx="11"/>
+          </p:nvPr>
+        </p:nvSpPr>
+        <p:spPr>
+          <a:ln/>
+        </p:spPr>
+        <p:txBody>
+          <a:bodyPr/>
+          <a:lstStyle>
+            <a:lvl1pPr>
+              <a:defRPr/>
+            </a:lvl1pPr>
+          </a:lstStyle>
+          <a:p>
+            <a:pPr>
+              <a:defRPr/>
+            </a:pPr>
+            <a:endParaRPr lang="zh-CN" altLang="zh-CN"/>
+          </a:p>
+        </p:txBody>
+      </p:sp>
+      <p:sp>
+        <p:nvSpPr>
+          <p:cNvPr id="7" name="Rectangle 6"/>
+          <p:cNvSpPr>
+            <a:spLocks noGrp="1" noChangeArrowheads="1"/>
+          </p:cNvSpPr>
+          <p:nvPr>
+            <p:ph type="sldNum" sz="quarter" idx="12"/>
+          </p:nvPr>
+        </p:nvSpPr>
+        <p:spPr>
+          <a:ln/>
+        </p:spPr>
+        <p:txBody>
+          <a:bodyPr/>
+          <a:lstStyle>
+            <a:lvl1pPr>
+              <a:defRPr/>
+            </a:lvl1pPr>
+          </a:lstStyle>
+          <a:p>
+            <a:pPr>
+              <a:defRPr/>
+            </a:pPr>
+            <a:fld id="{F765B599-60A6-4879-82DA-ADDFF95BA0AD}" type="slidenum">
+              <a:rPr lang="zh-CN" altLang="zh-CN"/>
+              <a:pPr>
+                <a:defRPr/>
+              </a:pPr>
+              <a:t>‹#›</a:t>
+            </a:fld>
+            <a:endParaRPr lang="zh-CN" altLang="zh-CN"/>
+          </a:p>
+        </p:txBody>
+      </p:sp>
+    </p:spTree>
+    <p:extLst>
+      <p:ext uri="{BB962C8B-B14F-4D97-AF65-F5344CB8AC3E}">
+        <p14:creationId xmlns:p14="http://schemas.microsoft.com/office/powerpoint/2010/main" val="1725721413"/>
+      </p:ext>
+    </p:extLst>
+  </p:cSld>
+  <p:clrMapOvr>
+    <a:masterClrMapping/>
+  </p:clrMapOvr>
+</p:sldLayout>
+</file>
+
+<file path=ppt/slideLayouts/slideLayout21.xml><?xml version="1.0" encoding="utf-8"?>
+<p:sldLayout xmlns:a="http://schemas.openxmlformats.org/drawingml/2006/main" xmlns:r="http://schemas.openxmlformats.org/officeDocument/2006/relationships" xmlns:p="http://schemas.openxmlformats.org/presentationml/2006/main" type="vertTx" preserve="1">
+  <p:cSld name="标题和竖排文字">
+    <p:spTree>
+      <p:nvGrpSpPr>
+        <p:cNvPr id="1" name=""/>
+        <p:cNvGrpSpPr/>
+        <p:nvPr/>
+      </p:nvGrpSpPr>
+      <p:grpSpPr>
+        <a:xfrm>
+          <a:off x="0" y="0"/>
+          <a:ext cx="0" cy="0"/>
+          <a:chOff x="0" y="0"/>
+          <a:chExt cx="0" cy="0"/>
+        </a:xfrm>
+      </p:grpSpPr>
+      <p:sp>
+        <p:nvSpPr>
+          <p:cNvPr id="2" name="标题 1"/>
+          <p:cNvSpPr>
+            <a:spLocks noGrp="1"/>
+          </p:cNvSpPr>
+          <p:nvPr>
+            <p:ph type="title"/>
+          </p:nvPr>
+        </p:nvSpPr>
+        <p:spPr/>
+        <p:txBody>
+          <a:bodyPr/>
+          <a:lstStyle/>
+          <a:p>
+            <a:r>
+              <a:rPr lang="zh-CN" altLang="en-US"/>
+              <a:t>单击此处编辑母版标题样式</a:t>
+            </a:r>
+          </a:p>
+        </p:txBody>
+      </p:sp>
+      <p:sp>
+        <p:nvSpPr>
+          <p:cNvPr id="3" name="竖排文字占位符 2"/>
+          <p:cNvSpPr>
+            <a:spLocks noGrp="1"/>
+          </p:cNvSpPr>
+          <p:nvPr>
+            <p:ph type="body" orient="vert" idx="1"/>
+          </p:nvPr>
+        </p:nvSpPr>
+        <p:spPr/>
+        <p:txBody>
+          <a:bodyPr vert="eaVert"/>
+          <a:lstStyle/>
+          <a:p>
+            <a:pPr lvl="0"/>
+            <a:r>
+              <a:rPr lang="zh-CN" altLang="en-US"/>
+              <a:t>单击此处编辑母版文本样式</a:t>
+            </a:r>
+          </a:p>
+          <a:p>
+            <a:pPr lvl="1"/>
+            <a:r>
+              <a:rPr lang="zh-CN" altLang="en-US"/>
+              <a:t>第二级</a:t>
+            </a:r>
+          </a:p>
+          <a:p>
+            <a:pPr lvl="2"/>
+            <a:r>
+              <a:rPr lang="zh-CN" altLang="en-US"/>
+              <a:t>第三级</a:t>
+            </a:r>
+          </a:p>
+          <a:p>
+            <a:pPr lvl="3"/>
+            <a:r>
+              <a:rPr lang="zh-CN" altLang="en-US"/>
+              <a:t>第四级</a:t>
+            </a:r>
+          </a:p>
+          <a:p>
+            <a:pPr lvl="4"/>
+            <a:r>
+              <a:rPr lang="zh-CN" altLang="en-US"/>
+              <a:t>第五级</a:t>
+            </a:r>
+          </a:p>
+        </p:txBody>
+      </p:sp>
+      <p:sp>
+        <p:nvSpPr>
+          <p:cNvPr id="4" name="Rectangle 4"/>
+          <p:cNvSpPr>
+            <a:spLocks noGrp="1" noChangeArrowheads="1"/>
+          </p:cNvSpPr>
+          <p:nvPr>
+            <p:ph type="dt" sz="half" idx="10"/>
+          </p:nvPr>
+        </p:nvSpPr>
+        <p:spPr>
+          <a:ln/>
+        </p:spPr>
+        <p:txBody>
+          <a:bodyPr/>
+          <a:lstStyle>
+            <a:lvl1pPr>
+              <a:defRPr/>
+            </a:lvl1pPr>
+          </a:lstStyle>
+          <a:p>
+            <a:pPr>
+              <a:defRPr/>
+            </a:pPr>
+            <a:endParaRPr lang="zh-CN" altLang="zh-CN"/>
+          </a:p>
+        </p:txBody>
+      </p:sp>
+      <p:sp>
+        <p:nvSpPr>
+          <p:cNvPr id="5" name="Rectangle 5"/>
+          <p:cNvSpPr>
+            <a:spLocks noGrp="1" noChangeArrowheads="1"/>
+          </p:cNvSpPr>
+          <p:nvPr>
+            <p:ph type="ftr" sz="quarter" idx="11"/>
+          </p:nvPr>
+        </p:nvSpPr>
+        <p:spPr>
+          <a:ln/>
+        </p:spPr>
+        <p:txBody>
+          <a:bodyPr/>
+          <a:lstStyle>
+            <a:lvl1pPr>
+              <a:defRPr/>
+            </a:lvl1pPr>
+          </a:lstStyle>
+          <a:p>
+            <a:pPr>
+              <a:defRPr/>
+            </a:pPr>
+            <a:endParaRPr lang="zh-CN" altLang="zh-CN"/>
+          </a:p>
+        </p:txBody>
+      </p:sp>
+      <p:sp>
+        <p:nvSpPr>
+          <p:cNvPr id="6" name="Rectangle 6"/>
+          <p:cNvSpPr>
+            <a:spLocks noGrp="1" noChangeArrowheads="1"/>
+          </p:cNvSpPr>
+          <p:nvPr>
+            <p:ph type="sldNum" sz="quarter" idx="12"/>
+          </p:nvPr>
+        </p:nvSpPr>
+        <p:spPr>
+          <a:ln/>
+        </p:spPr>
+        <p:txBody>
+          <a:bodyPr/>
+          <a:lstStyle>
+            <a:lvl1pPr>
+              <a:defRPr/>
+            </a:lvl1pPr>
+          </a:lstStyle>
+          <a:p>
+            <a:pPr>
+              <a:defRPr/>
+            </a:pPr>
+            <a:fld id="{3FD1EC8C-D3A6-4170-9545-E059E9F1FF90}" type="slidenum">
+              <a:rPr lang="zh-CN" altLang="zh-CN"/>
+              <a:pPr>
+                <a:defRPr/>
+              </a:pPr>
+              <a:t>‹#›</a:t>
+            </a:fld>
+            <a:endParaRPr lang="zh-CN" altLang="zh-CN"/>
+          </a:p>
+        </p:txBody>
+      </p:sp>
+    </p:spTree>
+    <p:extLst>
+      <p:ext uri="{BB962C8B-B14F-4D97-AF65-F5344CB8AC3E}">
+        <p14:creationId xmlns:p14="http://schemas.microsoft.com/office/powerpoint/2010/main" val="4194063560"/>
+      </p:ext>
+    </p:extLst>
+  </p:cSld>
+  <p:clrMapOvr>
+    <a:masterClrMapping/>
+  </p:clrMapOvr>
+</p:sldLayout>
+</file>
+
+<file path=ppt/slideLayouts/slideLayout22.xml><?xml version="1.0" encoding="utf-8"?>
+<p:sldLayout xmlns:a="http://schemas.openxmlformats.org/drawingml/2006/main" xmlns:r="http://schemas.openxmlformats.org/officeDocument/2006/relationships" xmlns:p="http://schemas.openxmlformats.org/presentationml/2006/main" type="vertTitleAndTx" preserve="1">
+  <p:cSld name="垂直排列标题与文本">
+    <p:spTree>
+      <p:nvGrpSpPr>
+        <p:cNvPr id="1" name=""/>
+        <p:cNvGrpSpPr/>
+        <p:nvPr/>
+      </p:nvGrpSpPr>
+      <p:grpSpPr>
+        <a:xfrm>
+          <a:off x="0" y="0"/>
+          <a:ext cx="0" cy="0"/>
+          <a:chOff x="0" y="0"/>
+          <a:chExt cx="0" cy="0"/>
+        </a:xfrm>
+      </p:grpSpPr>
+      <p:sp>
+        <p:nvSpPr>
+          <p:cNvPr id="2" name="竖排标题 1"/>
+          <p:cNvSpPr>
+            <a:spLocks noGrp="1"/>
+          </p:cNvSpPr>
+          <p:nvPr>
+            <p:ph type="title" orient="vert"/>
+          </p:nvPr>
+        </p:nvSpPr>
+        <p:spPr>
+          <a:xfrm>
+            <a:off x="8839200" y="274639"/>
+            <a:ext cx="2743200" cy="5851525"/>
+          </a:xfrm>
+        </p:spPr>
+        <p:txBody>
+          <a:bodyPr vert="eaVert"/>
+          <a:lstStyle/>
+          <a:p>
+            <a:r>
+              <a:rPr lang="zh-CN" altLang="en-US"/>
+              <a:t>单击此处编辑母版标题样式</a:t>
+            </a:r>
+          </a:p>
+        </p:txBody>
+      </p:sp>
+      <p:sp>
+        <p:nvSpPr>
+          <p:cNvPr id="3" name="竖排文字占位符 2"/>
+          <p:cNvSpPr>
+            <a:spLocks noGrp="1"/>
+          </p:cNvSpPr>
+          <p:nvPr>
+            <p:ph type="body" orient="vert" idx="1"/>
+          </p:nvPr>
+        </p:nvSpPr>
+        <p:spPr>
+          <a:xfrm>
+            <a:off x="609600" y="274639"/>
+            <a:ext cx="8026400" cy="5851525"/>
+          </a:xfrm>
+        </p:spPr>
+        <p:txBody>
+          <a:bodyPr vert="eaVert"/>
+          <a:lstStyle/>
+          <a:p>
+            <a:pPr lvl="0"/>
+            <a:r>
+              <a:rPr lang="zh-CN" altLang="en-US"/>
+              <a:t>单击此处编辑母版文本样式</a:t>
+            </a:r>
+          </a:p>
+          <a:p>
+            <a:pPr lvl="1"/>
+            <a:r>
+              <a:rPr lang="zh-CN" altLang="en-US"/>
+              <a:t>第二级</a:t>
+            </a:r>
+          </a:p>
+          <a:p>
+            <a:pPr lvl="2"/>
+            <a:r>
+              <a:rPr lang="zh-CN" altLang="en-US"/>
+              <a:t>第三级</a:t>
+            </a:r>
+          </a:p>
+          <a:p>
+            <a:pPr lvl="3"/>
+            <a:r>
+              <a:rPr lang="zh-CN" altLang="en-US"/>
+              <a:t>第四级</a:t>
+            </a:r>
+          </a:p>
+          <a:p>
+            <a:pPr lvl="4"/>
+            <a:r>
+              <a:rPr lang="zh-CN" altLang="en-US"/>
+              <a:t>第五级</a:t>
+            </a:r>
+          </a:p>
+        </p:txBody>
+      </p:sp>
+      <p:sp>
+        <p:nvSpPr>
+          <p:cNvPr id="4" name="Rectangle 4"/>
+          <p:cNvSpPr>
+            <a:spLocks noGrp="1" noChangeArrowheads="1"/>
+          </p:cNvSpPr>
+          <p:nvPr>
+            <p:ph type="dt" sz="half" idx="10"/>
+          </p:nvPr>
+        </p:nvSpPr>
+        <p:spPr>
+          <a:ln/>
+        </p:spPr>
+        <p:txBody>
+          <a:bodyPr/>
+          <a:lstStyle>
+            <a:lvl1pPr>
+              <a:defRPr/>
+            </a:lvl1pPr>
+          </a:lstStyle>
+          <a:p>
+            <a:pPr>
+              <a:defRPr/>
+            </a:pPr>
+            <a:endParaRPr lang="zh-CN" altLang="zh-CN"/>
+          </a:p>
+        </p:txBody>
+      </p:sp>
+      <p:sp>
+        <p:nvSpPr>
+          <p:cNvPr id="5" name="Rectangle 5"/>
+          <p:cNvSpPr>
+            <a:spLocks noGrp="1" noChangeArrowheads="1"/>
+          </p:cNvSpPr>
+          <p:nvPr>
+            <p:ph type="ftr" sz="quarter" idx="11"/>
+          </p:nvPr>
+        </p:nvSpPr>
+        <p:spPr>
+          <a:ln/>
+        </p:spPr>
+        <p:txBody>
+          <a:bodyPr/>
+          <a:lstStyle>
+            <a:lvl1pPr>
+              <a:defRPr/>
+            </a:lvl1pPr>
+          </a:lstStyle>
+          <a:p>
+            <a:pPr>
+              <a:defRPr/>
+            </a:pPr>
+            <a:endParaRPr lang="zh-CN" altLang="zh-CN"/>
+          </a:p>
+        </p:txBody>
+      </p:sp>
+      <p:sp>
+        <p:nvSpPr>
+          <p:cNvPr id="6" name="Rectangle 6"/>
+          <p:cNvSpPr>
+            <a:spLocks noGrp="1" noChangeArrowheads="1"/>
+          </p:cNvSpPr>
+          <p:nvPr>
+            <p:ph type="sldNum" sz="quarter" idx="12"/>
+          </p:nvPr>
+        </p:nvSpPr>
+        <p:spPr>
+          <a:ln/>
+        </p:spPr>
+        <p:txBody>
+          <a:bodyPr/>
+          <a:lstStyle>
+            <a:lvl1pPr>
+              <a:defRPr/>
+            </a:lvl1pPr>
+          </a:lstStyle>
+          <a:p>
+            <a:pPr>
+              <a:defRPr/>
+            </a:pPr>
+            <a:fld id="{63995CA0-A996-4AED-A055-45036D564D3F}" type="slidenum">
+              <a:rPr lang="zh-CN" altLang="zh-CN"/>
+              <a:pPr>
+                <a:defRPr/>
+              </a:pPr>
+              <a:t>‹#›</a:t>
+            </a:fld>
+            <a:endParaRPr lang="zh-CN" altLang="zh-CN"/>
+          </a:p>
+        </p:txBody>
+      </p:sp>
+    </p:spTree>
+    <p:extLst>
+      <p:ext uri="{BB962C8B-B14F-4D97-AF65-F5344CB8AC3E}">
+        <p14:creationId xmlns:p14="http://schemas.microsoft.com/office/powerpoint/2010/main" val="1042179624"/>
       </p:ext>
     </p:extLst>
   </p:cSld>
@@ -3304,6 +5931,827 @@
 </p:sldMaster>
 </file>
 
+<file path=ppt/slideMasters/slideMaster2.xml><?xml version="1.0" encoding="utf-8"?>
+<p:sldMaster xmlns:a="http://schemas.openxmlformats.org/drawingml/2006/main" xmlns:r="http://schemas.openxmlformats.org/officeDocument/2006/relationships" xmlns:p="http://schemas.openxmlformats.org/presentationml/2006/main">
+  <p:cSld>
+    <p:bg bwMode="auto">
+      <p:bgPr>
+        <a:solidFill>
+          <a:schemeClr val="bg1"/>
+        </a:solidFill>
+        <a:effectLst/>
+      </p:bgPr>
+    </p:bg>
+    <p:spTree>
+      <p:nvGrpSpPr>
+        <p:cNvPr id="1" name=""/>
+        <p:cNvGrpSpPr/>
+        <p:nvPr/>
+      </p:nvGrpSpPr>
+      <p:grpSpPr>
+        <a:xfrm>
+          <a:off x="0" y="0"/>
+          <a:ext cx="0" cy="0"/>
+          <a:chOff x="0" y="0"/>
+          <a:chExt cx="0" cy="0"/>
+        </a:xfrm>
+      </p:grpSpPr>
+      <p:sp>
+        <p:nvSpPr>
+          <p:cNvPr id="1026" name="Rectangle 2"/>
+          <p:cNvSpPr>
+            <a:spLocks noGrp="1" noChangeArrowheads="1"/>
+          </p:cNvSpPr>
+          <p:nvPr>
+            <p:ph type="title"/>
+          </p:nvPr>
+        </p:nvSpPr>
+        <p:spPr bwMode="auto">
+          <a:xfrm>
+            <a:off x="609600" y="274638"/>
+            <a:ext cx="10972800" cy="1143000"/>
+          </a:xfrm>
+          <a:prstGeom prst="rect">
+            <a:avLst/>
+          </a:prstGeom>
+          <a:noFill/>
+          <a:ln>
+            <a:noFill/>
+          </a:ln>
+          <a:effectLst/>
+          <a:extLst>
+            <a:ext uri="{909E8E84-426E-40DD-AFC4-6F175D3DCCD1}">
+              <a14:hiddenFill xmlns:a14="http://schemas.microsoft.com/office/drawing/2010/main">
+                <a:solidFill>
+                  <a:schemeClr val="accent1"/>
+                </a:solidFill>
+              </a14:hiddenFill>
+            </a:ext>
+            <a:ext uri="{91240B29-F687-4F45-9708-019B960494DF}">
+              <a14:hiddenLine xmlns:a14="http://schemas.microsoft.com/office/drawing/2010/main" w="9525">
+                <a:solidFill>
+                  <a:srgbClr val="000000"/>
+                </a:solidFill>
+                <a:miter lim="800000"/>
+                <a:headEnd/>
+                <a:tailEnd/>
+              </a14:hiddenLine>
+            </a:ext>
+            <a:ext uri="{AF507438-7753-43E0-B8FC-AC1667EBCBE1}">
+              <a14:hiddenEffects xmlns:a14="http://schemas.microsoft.com/office/drawing/2010/main">
+                <a:effectLst>
+                  <a:outerShdw dist="35921" dir="2700000" algn="ctr" rotWithShape="0">
+                    <a:schemeClr val="bg2"/>
+                  </a:outerShdw>
+                </a:effectLst>
+              </a14:hiddenEffects>
+            </a:ext>
+          </a:extLst>
+        </p:spPr>
+        <p:txBody>
+          <a:bodyPr vert="horz" wrap="square" lIns="91440" tIns="45720" rIns="91440" bIns="45720" numCol="1" anchor="ctr" anchorCtr="0" compatLnSpc="1">
+            <a:prstTxWarp prst="textNoShape">
+              <a:avLst/>
+            </a:prstTxWarp>
+          </a:bodyPr>
+          <a:lstStyle/>
+          <a:p>
+            <a:pPr lvl="0"/>
+            <a:r>
+              <a:rPr lang="zh-CN" altLang="it-IT"/>
+              <a:t>单击此处编辑母版标题样式</a:t>
+            </a:r>
+          </a:p>
+        </p:txBody>
+      </p:sp>
+      <p:sp>
+        <p:nvSpPr>
+          <p:cNvPr id="1027" name="Rectangle 3"/>
+          <p:cNvSpPr>
+            <a:spLocks noGrp="1" noChangeArrowheads="1"/>
+          </p:cNvSpPr>
+          <p:nvPr>
+            <p:ph type="body" idx="1"/>
+          </p:nvPr>
+        </p:nvSpPr>
+        <p:spPr bwMode="auto">
+          <a:xfrm>
+            <a:off x="609600" y="1600201"/>
+            <a:ext cx="10972800" cy="4525963"/>
+          </a:xfrm>
+          <a:prstGeom prst="rect">
+            <a:avLst/>
+          </a:prstGeom>
+          <a:noFill/>
+          <a:ln>
+            <a:noFill/>
+          </a:ln>
+          <a:effectLst/>
+          <a:extLst>
+            <a:ext uri="{909E8E84-426E-40DD-AFC4-6F175D3DCCD1}">
+              <a14:hiddenFill xmlns:a14="http://schemas.microsoft.com/office/drawing/2010/main">
+                <a:solidFill>
+                  <a:schemeClr val="accent1"/>
+                </a:solidFill>
+              </a14:hiddenFill>
+            </a:ext>
+            <a:ext uri="{91240B29-F687-4F45-9708-019B960494DF}">
+              <a14:hiddenLine xmlns:a14="http://schemas.microsoft.com/office/drawing/2010/main" w="9525">
+                <a:solidFill>
+                  <a:srgbClr val="000000"/>
+                </a:solidFill>
+                <a:miter lim="800000"/>
+                <a:headEnd/>
+                <a:tailEnd/>
+              </a14:hiddenLine>
+            </a:ext>
+            <a:ext uri="{AF507438-7753-43E0-B8FC-AC1667EBCBE1}">
+              <a14:hiddenEffects xmlns:a14="http://schemas.microsoft.com/office/drawing/2010/main">
+                <a:effectLst>
+                  <a:outerShdw dist="35921" dir="2700000" algn="ctr" rotWithShape="0">
+                    <a:schemeClr val="bg2"/>
+                  </a:outerShdw>
+                </a:effectLst>
+              </a14:hiddenEffects>
+            </a:ext>
+          </a:extLst>
+        </p:spPr>
+        <p:txBody>
+          <a:bodyPr vert="horz" wrap="square" lIns="91440" tIns="45720" rIns="91440" bIns="45720" numCol="1" anchor="t" anchorCtr="0" compatLnSpc="1">
+            <a:prstTxWarp prst="textNoShape">
+              <a:avLst/>
+            </a:prstTxWarp>
+          </a:bodyPr>
+          <a:lstStyle/>
+          <a:p>
+            <a:pPr lvl="0"/>
+            <a:r>
+              <a:rPr lang="zh-CN" altLang="it-IT"/>
+              <a:t>单击此处编辑母版文本样式</a:t>
+            </a:r>
+          </a:p>
+          <a:p>
+            <a:pPr lvl="1"/>
+            <a:r>
+              <a:rPr lang="zh-CN" altLang="it-IT"/>
+              <a:t>第二级</a:t>
+            </a:r>
+          </a:p>
+          <a:p>
+            <a:pPr lvl="2"/>
+            <a:r>
+              <a:rPr lang="zh-CN" altLang="it-IT"/>
+              <a:t>第三级</a:t>
+            </a:r>
+          </a:p>
+          <a:p>
+            <a:pPr lvl="3"/>
+            <a:r>
+              <a:rPr lang="zh-CN" altLang="it-IT"/>
+              <a:t>第四级</a:t>
+            </a:r>
+          </a:p>
+          <a:p>
+            <a:pPr lvl="4"/>
+            <a:r>
+              <a:rPr lang="zh-CN" altLang="it-IT"/>
+              <a:t>第五级</a:t>
+            </a:r>
+          </a:p>
+        </p:txBody>
+      </p:sp>
+      <p:sp>
+        <p:nvSpPr>
+          <p:cNvPr id="1028" name="Rectangle 4"/>
+          <p:cNvSpPr>
+            <a:spLocks noGrp="1" noChangeArrowheads="1"/>
+          </p:cNvSpPr>
+          <p:nvPr>
+            <p:ph type="dt" sz="half" idx="2"/>
+          </p:nvPr>
+        </p:nvSpPr>
+        <p:spPr bwMode="auto">
+          <a:xfrm>
+            <a:off x="609600" y="6245225"/>
+            <a:ext cx="2844800" cy="476250"/>
+          </a:xfrm>
+          <a:prstGeom prst="rect">
+            <a:avLst/>
+          </a:prstGeom>
+          <a:noFill/>
+          <a:ln>
+            <a:noFill/>
+          </a:ln>
+          <a:effectLst/>
+          <a:extLst>
+            <a:ext uri="{909E8E84-426E-40DD-AFC4-6F175D3DCCD1}">
+              <a14:hiddenFill xmlns:a14="http://schemas.microsoft.com/office/drawing/2010/main">
+                <a:solidFill>
+                  <a:schemeClr val="accent1"/>
+                </a:solidFill>
+              </a14:hiddenFill>
+            </a:ext>
+            <a:ext uri="{91240B29-F687-4F45-9708-019B960494DF}">
+              <a14:hiddenLine xmlns:a14="http://schemas.microsoft.com/office/drawing/2010/main" w="9525">
+                <a:solidFill>
+                  <a:srgbClr val="000000"/>
+                </a:solidFill>
+                <a:miter lim="800000"/>
+                <a:headEnd/>
+                <a:tailEnd/>
+              </a14:hiddenLine>
+            </a:ext>
+            <a:ext uri="{AF507438-7753-43E0-B8FC-AC1667EBCBE1}">
+              <a14:hiddenEffects xmlns:a14="http://schemas.microsoft.com/office/drawing/2010/main">
+                <a:effectLst>
+                  <a:outerShdw dist="35921" dir="2700000" algn="ctr" rotWithShape="0">
+                    <a:schemeClr val="bg2"/>
+                  </a:outerShdw>
+                </a:effectLst>
+              </a14:hiddenEffects>
+            </a:ext>
+          </a:extLst>
+        </p:spPr>
+        <p:txBody>
+          <a:bodyPr vert="horz" wrap="square" lIns="91440" tIns="45720" rIns="91440" bIns="45720" numCol="1" anchor="t" anchorCtr="0" compatLnSpc="1">
+            <a:prstTxWarp prst="textNoShape">
+              <a:avLst/>
+            </a:prstTxWarp>
+          </a:bodyPr>
+          <a:lstStyle>
+            <a:lvl1pPr eaLnBrk="1" hangingPunct="1">
+              <a:buFont typeface="Arial" panose="020B0604020202020204" pitchFamily="34" charset="0"/>
+              <a:buNone/>
+              <a:defRPr sz="1400"/>
+            </a:lvl1pPr>
+          </a:lstStyle>
+          <a:p>
+            <a:pPr>
+              <a:defRPr/>
+            </a:pPr>
+            <a:endParaRPr lang="zh-CN" altLang="zh-CN"/>
+          </a:p>
+        </p:txBody>
+      </p:sp>
+      <p:sp>
+        <p:nvSpPr>
+          <p:cNvPr id="1029" name="Rectangle 5"/>
+          <p:cNvSpPr>
+            <a:spLocks noGrp="1" noChangeArrowheads="1"/>
+          </p:cNvSpPr>
+          <p:nvPr>
+            <p:ph type="ftr" sz="quarter" idx="3"/>
+          </p:nvPr>
+        </p:nvSpPr>
+        <p:spPr bwMode="auto">
+          <a:xfrm>
+            <a:off x="4165600" y="6245225"/>
+            <a:ext cx="3860800" cy="476250"/>
+          </a:xfrm>
+          <a:prstGeom prst="rect">
+            <a:avLst/>
+          </a:prstGeom>
+          <a:noFill/>
+          <a:ln>
+            <a:noFill/>
+          </a:ln>
+          <a:effectLst/>
+          <a:extLst>
+            <a:ext uri="{909E8E84-426E-40DD-AFC4-6F175D3DCCD1}">
+              <a14:hiddenFill xmlns:a14="http://schemas.microsoft.com/office/drawing/2010/main">
+                <a:solidFill>
+                  <a:schemeClr val="accent1"/>
+                </a:solidFill>
+              </a14:hiddenFill>
+            </a:ext>
+            <a:ext uri="{91240B29-F687-4F45-9708-019B960494DF}">
+              <a14:hiddenLine xmlns:a14="http://schemas.microsoft.com/office/drawing/2010/main" w="9525">
+                <a:solidFill>
+                  <a:srgbClr val="000000"/>
+                </a:solidFill>
+                <a:miter lim="800000"/>
+                <a:headEnd/>
+                <a:tailEnd/>
+              </a14:hiddenLine>
+            </a:ext>
+            <a:ext uri="{AF507438-7753-43E0-B8FC-AC1667EBCBE1}">
+              <a14:hiddenEffects xmlns:a14="http://schemas.microsoft.com/office/drawing/2010/main">
+                <a:effectLst>
+                  <a:outerShdw dist="35921" dir="2700000" algn="ctr" rotWithShape="0">
+                    <a:schemeClr val="bg2"/>
+                  </a:outerShdw>
+                </a:effectLst>
+              </a14:hiddenEffects>
+            </a:ext>
+          </a:extLst>
+        </p:spPr>
+        <p:txBody>
+          <a:bodyPr vert="horz" wrap="square" lIns="91440" tIns="45720" rIns="91440" bIns="45720" numCol="1" anchor="t" anchorCtr="0" compatLnSpc="1">
+            <a:prstTxWarp prst="textNoShape">
+              <a:avLst/>
+            </a:prstTxWarp>
+          </a:bodyPr>
+          <a:lstStyle>
+            <a:lvl1pPr algn="ctr" eaLnBrk="1" hangingPunct="1">
+              <a:buFont typeface="Arial" panose="020B0604020202020204" pitchFamily="34" charset="0"/>
+              <a:buNone/>
+              <a:defRPr sz="1400"/>
+            </a:lvl1pPr>
+          </a:lstStyle>
+          <a:p>
+            <a:pPr>
+              <a:defRPr/>
+            </a:pPr>
+            <a:endParaRPr lang="zh-CN" altLang="zh-CN"/>
+          </a:p>
+        </p:txBody>
+      </p:sp>
+      <p:sp>
+        <p:nvSpPr>
+          <p:cNvPr id="1030" name="Rectangle 6"/>
+          <p:cNvSpPr>
+            <a:spLocks noGrp="1" noChangeArrowheads="1"/>
+          </p:cNvSpPr>
+          <p:nvPr>
+            <p:ph type="sldNum" sz="quarter" idx="4"/>
+          </p:nvPr>
+        </p:nvSpPr>
+        <p:spPr bwMode="auto">
+          <a:xfrm>
+            <a:off x="8737600" y="6245225"/>
+            <a:ext cx="2844800" cy="476250"/>
+          </a:xfrm>
+          <a:prstGeom prst="rect">
+            <a:avLst/>
+          </a:prstGeom>
+          <a:noFill/>
+          <a:ln>
+            <a:noFill/>
+          </a:ln>
+          <a:effectLst/>
+          <a:extLst>
+            <a:ext uri="{909E8E84-426E-40DD-AFC4-6F175D3DCCD1}">
+              <a14:hiddenFill xmlns:a14="http://schemas.microsoft.com/office/drawing/2010/main">
+                <a:solidFill>
+                  <a:schemeClr val="accent1"/>
+                </a:solidFill>
+              </a14:hiddenFill>
+            </a:ext>
+            <a:ext uri="{91240B29-F687-4F45-9708-019B960494DF}">
+              <a14:hiddenLine xmlns:a14="http://schemas.microsoft.com/office/drawing/2010/main" w="9525">
+                <a:solidFill>
+                  <a:srgbClr val="000000"/>
+                </a:solidFill>
+                <a:miter lim="800000"/>
+                <a:headEnd/>
+                <a:tailEnd/>
+              </a14:hiddenLine>
+            </a:ext>
+            <a:ext uri="{AF507438-7753-43E0-B8FC-AC1667EBCBE1}">
+              <a14:hiddenEffects xmlns:a14="http://schemas.microsoft.com/office/drawing/2010/main">
+                <a:effectLst>
+                  <a:outerShdw dist="35921" dir="2700000" algn="ctr" rotWithShape="0">
+                    <a:schemeClr val="bg2"/>
+                  </a:outerShdw>
+                </a:effectLst>
+              </a14:hiddenEffects>
+            </a:ext>
+          </a:extLst>
+        </p:spPr>
+        <p:txBody>
+          <a:bodyPr vert="horz" wrap="square" lIns="91440" tIns="45720" rIns="91440" bIns="45720" numCol="1" anchor="t" anchorCtr="0" compatLnSpc="1">
+            <a:prstTxWarp prst="textNoShape">
+              <a:avLst/>
+            </a:prstTxWarp>
+          </a:bodyPr>
+          <a:lstStyle>
+            <a:lvl1pPr algn="r" eaLnBrk="1" hangingPunct="1">
+              <a:buFont typeface="Arial" panose="020B0604020202020204" pitchFamily="34" charset="0"/>
+              <a:buNone/>
+              <a:defRPr sz="1400"/>
+            </a:lvl1pPr>
+          </a:lstStyle>
+          <a:p>
+            <a:pPr>
+              <a:defRPr/>
+            </a:pPr>
+            <a:fld id="{76A43264-1060-41B8-ABBC-92BC3AA64765}" type="slidenum">
+              <a:rPr lang="zh-CN" altLang="zh-CN"/>
+              <a:pPr>
+                <a:defRPr/>
+              </a:pPr>
+              <a:t>‹#›</a:t>
+            </a:fld>
+            <a:endParaRPr lang="zh-CN" altLang="zh-CN"/>
+          </a:p>
+        </p:txBody>
+      </p:sp>
+    </p:spTree>
+    <p:extLst>
+      <p:ext uri="{BB962C8B-B14F-4D97-AF65-F5344CB8AC3E}">
+        <p14:creationId xmlns:p14="http://schemas.microsoft.com/office/powerpoint/2010/main" val="1925154578"/>
+      </p:ext>
+    </p:extLst>
+  </p:cSld>
+  <p:clrMap bg1="lt1" tx1="dk1" bg2="lt2" tx2="dk2" accent1="accent1" accent2="accent2" accent3="accent3" accent4="accent4" accent5="accent5" accent6="accent6" hlink="hlink" folHlink="folHlink"/>
+  <p:sldLayoutIdLst>
+    <p:sldLayoutId id="2147483661" r:id="rId1"/>
+    <p:sldLayoutId id="2147483662" r:id="rId2"/>
+    <p:sldLayoutId id="2147483663" r:id="rId3"/>
+    <p:sldLayoutId id="2147483664" r:id="rId4"/>
+    <p:sldLayoutId id="2147483665" r:id="rId5"/>
+    <p:sldLayoutId id="2147483666" r:id="rId6"/>
+    <p:sldLayoutId id="2147483667" r:id="rId7"/>
+    <p:sldLayoutId id="2147483668" r:id="rId8"/>
+    <p:sldLayoutId id="2147483669" r:id="rId9"/>
+    <p:sldLayoutId id="2147483670" r:id="rId10"/>
+    <p:sldLayoutId id="2147483671" r:id="rId11"/>
+  </p:sldLayoutIdLst>
+  <p:txStyles>
+    <p:titleStyle>
+      <a:lvl1pPr algn="ctr" rtl="0" eaLnBrk="0" fontAlgn="base" hangingPunct="0">
+        <a:spcBef>
+          <a:spcPct val="0"/>
+        </a:spcBef>
+        <a:spcAft>
+          <a:spcPct val="0"/>
+        </a:spcAft>
+        <a:defRPr sz="4400">
+          <a:solidFill>
+            <a:schemeClr val="tx2"/>
+          </a:solidFill>
+          <a:latin typeface="+mj-lt"/>
+          <a:ea typeface="+mj-ea"/>
+          <a:cs typeface="+mj-cs"/>
+        </a:defRPr>
+      </a:lvl1pPr>
+      <a:lvl2pPr algn="ctr" rtl="0" eaLnBrk="0" fontAlgn="base" hangingPunct="0">
+        <a:spcBef>
+          <a:spcPct val="0"/>
+        </a:spcBef>
+        <a:spcAft>
+          <a:spcPct val="0"/>
+        </a:spcAft>
+        <a:defRPr sz="4400">
+          <a:solidFill>
+            <a:schemeClr val="tx2"/>
+          </a:solidFill>
+          <a:latin typeface="Arial" pitchFamily="34" charset="0"/>
+          <a:ea typeface="宋体" pitchFamily="2" charset="-122"/>
+        </a:defRPr>
+      </a:lvl2pPr>
+      <a:lvl3pPr algn="ctr" rtl="0" eaLnBrk="0" fontAlgn="base" hangingPunct="0">
+        <a:spcBef>
+          <a:spcPct val="0"/>
+        </a:spcBef>
+        <a:spcAft>
+          <a:spcPct val="0"/>
+        </a:spcAft>
+        <a:defRPr sz="4400">
+          <a:solidFill>
+            <a:schemeClr val="tx2"/>
+          </a:solidFill>
+          <a:latin typeface="Arial" pitchFamily="34" charset="0"/>
+          <a:ea typeface="宋体" pitchFamily="2" charset="-122"/>
+        </a:defRPr>
+      </a:lvl3pPr>
+      <a:lvl4pPr algn="ctr" rtl="0" eaLnBrk="0" fontAlgn="base" hangingPunct="0">
+        <a:spcBef>
+          <a:spcPct val="0"/>
+        </a:spcBef>
+        <a:spcAft>
+          <a:spcPct val="0"/>
+        </a:spcAft>
+        <a:defRPr sz="4400">
+          <a:solidFill>
+            <a:schemeClr val="tx2"/>
+          </a:solidFill>
+          <a:latin typeface="Arial" pitchFamily="34" charset="0"/>
+          <a:ea typeface="宋体" pitchFamily="2" charset="-122"/>
+        </a:defRPr>
+      </a:lvl4pPr>
+      <a:lvl5pPr algn="ctr" rtl="0" eaLnBrk="0" fontAlgn="base" hangingPunct="0">
+        <a:spcBef>
+          <a:spcPct val="0"/>
+        </a:spcBef>
+        <a:spcAft>
+          <a:spcPct val="0"/>
+        </a:spcAft>
+        <a:defRPr sz="4400">
+          <a:solidFill>
+            <a:schemeClr val="tx2"/>
+          </a:solidFill>
+          <a:latin typeface="Arial" pitchFamily="34" charset="0"/>
+          <a:ea typeface="宋体" pitchFamily="2" charset="-122"/>
+        </a:defRPr>
+      </a:lvl5pPr>
+      <a:lvl6pPr marL="457200" algn="ctr" rtl="0" fontAlgn="base">
+        <a:spcBef>
+          <a:spcPct val="0"/>
+        </a:spcBef>
+        <a:spcAft>
+          <a:spcPct val="0"/>
+        </a:spcAft>
+        <a:defRPr sz="4400">
+          <a:solidFill>
+            <a:schemeClr val="tx2"/>
+          </a:solidFill>
+          <a:latin typeface="Arial" pitchFamily="34" charset="0"/>
+          <a:ea typeface="宋体" pitchFamily="2" charset="-122"/>
+        </a:defRPr>
+      </a:lvl6pPr>
+      <a:lvl7pPr marL="914400" algn="ctr" rtl="0" fontAlgn="base">
+        <a:spcBef>
+          <a:spcPct val="0"/>
+        </a:spcBef>
+        <a:spcAft>
+          <a:spcPct val="0"/>
+        </a:spcAft>
+        <a:defRPr sz="4400">
+          <a:solidFill>
+            <a:schemeClr val="tx2"/>
+          </a:solidFill>
+          <a:latin typeface="Arial" pitchFamily="34" charset="0"/>
+          <a:ea typeface="宋体" pitchFamily="2" charset="-122"/>
+        </a:defRPr>
+      </a:lvl7pPr>
+      <a:lvl8pPr marL="1371600" algn="ctr" rtl="0" fontAlgn="base">
+        <a:spcBef>
+          <a:spcPct val="0"/>
+        </a:spcBef>
+        <a:spcAft>
+          <a:spcPct val="0"/>
+        </a:spcAft>
+        <a:defRPr sz="4400">
+          <a:solidFill>
+            <a:schemeClr val="tx2"/>
+          </a:solidFill>
+          <a:latin typeface="Arial" pitchFamily="34" charset="0"/>
+          <a:ea typeface="宋体" pitchFamily="2" charset="-122"/>
+        </a:defRPr>
+      </a:lvl8pPr>
+      <a:lvl9pPr marL="1828800" algn="ctr" rtl="0" fontAlgn="base">
+        <a:spcBef>
+          <a:spcPct val="0"/>
+        </a:spcBef>
+        <a:spcAft>
+          <a:spcPct val="0"/>
+        </a:spcAft>
+        <a:defRPr sz="4400">
+          <a:solidFill>
+            <a:schemeClr val="tx2"/>
+          </a:solidFill>
+          <a:latin typeface="Arial" pitchFamily="34" charset="0"/>
+          <a:ea typeface="宋体" pitchFamily="2" charset="-122"/>
+        </a:defRPr>
+      </a:lvl9pPr>
+    </p:titleStyle>
+    <p:bodyStyle>
+      <a:lvl1pPr marL="342900" indent="-342900" algn="l" rtl="0" eaLnBrk="0" fontAlgn="base" hangingPunct="0">
+        <a:spcBef>
+          <a:spcPct val="20000"/>
+        </a:spcBef>
+        <a:spcAft>
+          <a:spcPct val="0"/>
+        </a:spcAft>
+        <a:buChar char="•"/>
+        <a:defRPr sz="3200">
+          <a:solidFill>
+            <a:schemeClr val="tx1"/>
+          </a:solidFill>
+          <a:latin typeface="+mn-lt"/>
+          <a:ea typeface="+mn-ea"/>
+          <a:cs typeface="+mn-cs"/>
+        </a:defRPr>
+      </a:lvl1pPr>
+      <a:lvl2pPr marL="742950" indent="-285750" algn="l" rtl="0" eaLnBrk="0" fontAlgn="base" hangingPunct="0">
+        <a:spcBef>
+          <a:spcPct val="20000"/>
+        </a:spcBef>
+        <a:spcAft>
+          <a:spcPct val="0"/>
+        </a:spcAft>
+        <a:buChar char="–"/>
+        <a:defRPr sz="2800">
+          <a:solidFill>
+            <a:schemeClr val="tx1"/>
+          </a:solidFill>
+          <a:latin typeface="+mn-lt"/>
+          <a:ea typeface="+mn-ea"/>
+        </a:defRPr>
+      </a:lvl2pPr>
+      <a:lvl3pPr marL="1143000" indent="-228600" algn="l" rtl="0" eaLnBrk="0" fontAlgn="base" hangingPunct="0">
+        <a:spcBef>
+          <a:spcPct val="20000"/>
+        </a:spcBef>
+        <a:spcAft>
+          <a:spcPct val="0"/>
+        </a:spcAft>
+        <a:buChar char="•"/>
+        <a:defRPr sz="2400">
+          <a:solidFill>
+            <a:schemeClr val="tx1"/>
+          </a:solidFill>
+          <a:latin typeface="+mn-lt"/>
+          <a:ea typeface="+mn-ea"/>
+        </a:defRPr>
+      </a:lvl3pPr>
+      <a:lvl4pPr marL="1600200" indent="-228600" algn="l" rtl="0" eaLnBrk="0" fontAlgn="base" hangingPunct="0">
+        <a:spcBef>
+          <a:spcPct val="20000"/>
+        </a:spcBef>
+        <a:spcAft>
+          <a:spcPct val="0"/>
+        </a:spcAft>
+        <a:buChar char="–"/>
+        <a:defRPr sz="2000">
+          <a:solidFill>
+            <a:schemeClr val="tx1"/>
+          </a:solidFill>
+          <a:latin typeface="+mn-lt"/>
+          <a:ea typeface="+mn-ea"/>
+        </a:defRPr>
+      </a:lvl4pPr>
+      <a:lvl5pPr marL="2057400" indent="-228600" algn="l" rtl="0" eaLnBrk="0" fontAlgn="base" hangingPunct="0">
+        <a:spcBef>
+          <a:spcPct val="20000"/>
+        </a:spcBef>
+        <a:spcAft>
+          <a:spcPct val="0"/>
+        </a:spcAft>
+        <a:buChar char="»"/>
+        <a:defRPr sz="2000">
+          <a:solidFill>
+            <a:schemeClr val="tx1"/>
+          </a:solidFill>
+          <a:latin typeface="+mn-lt"/>
+          <a:ea typeface="+mn-ea"/>
+        </a:defRPr>
+      </a:lvl5pPr>
+      <a:lvl6pPr marL="2514600" indent="-228600" algn="l" rtl="0" fontAlgn="base">
+        <a:spcBef>
+          <a:spcPct val="20000"/>
+        </a:spcBef>
+        <a:spcAft>
+          <a:spcPct val="0"/>
+        </a:spcAft>
+        <a:buChar char="»"/>
+        <a:defRPr sz="2000">
+          <a:solidFill>
+            <a:schemeClr val="tx1"/>
+          </a:solidFill>
+          <a:latin typeface="+mn-lt"/>
+          <a:ea typeface="+mn-ea"/>
+        </a:defRPr>
+      </a:lvl6pPr>
+      <a:lvl7pPr marL="2971800" indent="-228600" algn="l" rtl="0" fontAlgn="base">
+        <a:spcBef>
+          <a:spcPct val="20000"/>
+        </a:spcBef>
+        <a:spcAft>
+          <a:spcPct val="0"/>
+        </a:spcAft>
+        <a:buChar char="»"/>
+        <a:defRPr sz="2000">
+          <a:solidFill>
+            <a:schemeClr val="tx1"/>
+          </a:solidFill>
+          <a:latin typeface="+mn-lt"/>
+          <a:ea typeface="+mn-ea"/>
+        </a:defRPr>
+      </a:lvl7pPr>
+      <a:lvl8pPr marL="3429000" indent="-228600" algn="l" rtl="0" fontAlgn="base">
+        <a:spcBef>
+          <a:spcPct val="20000"/>
+        </a:spcBef>
+        <a:spcAft>
+          <a:spcPct val="0"/>
+        </a:spcAft>
+        <a:buChar char="»"/>
+        <a:defRPr sz="2000">
+          <a:solidFill>
+            <a:schemeClr val="tx1"/>
+          </a:solidFill>
+          <a:latin typeface="+mn-lt"/>
+          <a:ea typeface="+mn-ea"/>
+        </a:defRPr>
+      </a:lvl8pPr>
+      <a:lvl9pPr marL="3886200" indent="-228600" algn="l" rtl="0" fontAlgn="base">
+        <a:spcBef>
+          <a:spcPct val="20000"/>
+        </a:spcBef>
+        <a:spcAft>
+          <a:spcPct val="0"/>
+        </a:spcAft>
+        <a:buChar char="»"/>
+        <a:defRPr sz="2000">
+          <a:solidFill>
+            <a:schemeClr val="tx1"/>
+          </a:solidFill>
+          <a:latin typeface="+mn-lt"/>
+          <a:ea typeface="+mn-ea"/>
+        </a:defRPr>
+      </a:lvl9pPr>
+    </p:bodyStyle>
+    <p:otherStyle>
+      <a:defPPr>
+        <a:defRPr lang="zh-CN"/>
+      </a:defPPr>
+      <a:lvl1pPr marL="0" algn="l" defTabSz="914400" rtl="0" eaLnBrk="1" latinLnBrk="0" hangingPunct="1">
+        <a:defRPr sz="1800" kern="1200">
+          <a:solidFill>
+            <a:schemeClr val="tx1"/>
+          </a:solidFill>
+          <a:latin typeface="+mn-lt"/>
+          <a:ea typeface="+mn-ea"/>
+          <a:cs typeface="+mn-cs"/>
+        </a:defRPr>
+      </a:lvl1pPr>
+      <a:lvl2pPr marL="457200" algn="l" defTabSz="914400" rtl="0" eaLnBrk="1" latinLnBrk="0" hangingPunct="1">
+        <a:defRPr sz="1800" kern="1200">
+          <a:solidFill>
+            <a:schemeClr val="tx1"/>
+          </a:solidFill>
+          <a:latin typeface="+mn-lt"/>
+          <a:ea typeface="+mn-ea"/>
+          <a:cs typeface="+mn-cs"/>
+        </a:defRPr>
+      </a:lvl2pPr>
+      <a:lvl3pPr marL="914400" algn="l" defTabSz="914400" rtl="0" eaLnBrk="1" latinLnBrk="0" hangingPunct="1">
+        <a:defRPr sz="1800" kern="1200">
+          <a:solidFill>
+            <a:schemeClr val="tx1"/>
+          </a:solidFill>
+          <a:latin typeface="+mn-lt"/>
+          <a:ea typeface="+mn-ea"/>
+          <a:cs typeface="+mn-cs"/>
+        </a:defRPr>
+      </a:lvl3pPr>
+      <a:lvl4pPr marL="1371600" algn="l" defTabSz="914400" rtl="0" eaLnBrk="1" latinLnBrk="0" hangingPunct="1">
+        <a:defRPr sz="1800" kern="1200">
+          <a:solidFill>
+            <a:schemeClr val="tx1"/>
+          </a:solidFill>
+          <a:latin typeface="+mn-lt"/>
+          <a:ea typeface="+mn-ea"/>
+          <a:cs typeface="+mn-cs"/>
+        </a:defRPr>
+      </a:lvl4pPr>
+      <a:lvl5pPr marL="1828800" algn="l" defTabSz="914400" rtl="0" eaLnBrk="1" latinLnBrk="0" hangingPunct="1">
+        <a:defRPr sz="1800" kern="1200">
+          <a:solidFill>
+            <a:schemeClr val="tx1"/>
+          </a:solidFill>
+          <a:latin typeface="+mn-lt"/>
+          <a:ea typeface="+mn-ea"/>
+          <a:cs typeface="+mn-cs"/>
+        </a:defRPr>
+      </a:lvl5pPr>
+      <a:lvl6pPr marL="2286000" algn="l" defTabSz="914400" rtl="0" eaLnBrk="1" latinLnBrk="0" hangingPunct="1">
+        <a:defRPr sz="1800" kern="1200">
+          <a:solidFill>
+            <a:schemeClr val="tx1"/>
+          </a:solidFill>
+          <a:latin typeface="+mn-lt"/>
+          <a:ea typeface="+mn-ea"/>
+          <a:cs typeface="+mn-cs"/>
+        </a:defRPr>
+      </a:lvl6pPr>
+      <a:lvl7pPr marL="2743200" algn="l" defTabSz="914400" rtl="0" eaLnBrk="1" latinLnBrk="0" hangingPunct="1">
+        <a:defRPr sz="1800" kern="1200">
+          <a:solidFill>
+            <a:schemeClr val="tx1"/>
+          </a:solidFill>
+          <a:latin typeface="+mn-lt"/>
+          <a:ea typeface="+mn-ea"/>
+          <a:cs typeface="+mn-cs"/>
+        </a:defRPr>
+      </a:lvl7pPr>
+      <a:lvl8pPr marL="3200400" algn="l" defTabSz="914400" rtl="0" eaLnBrk="1" latinLnBrk="0" hangingPunct="1">
+        <a:defRPr sz="1800" kern="1200">
+          <a:solidFill>
+            <a:schemeClr val="tx1"/>
+          </a:solidFill>
+          <a:latin typeface="+mn-lt"/>
+          <a:ea typeface="+mn-ea"/>
+          <a:cs typeface="+mn-cs"/>
+        </a:defRPr>
+      </a:lvl8pPr>
+      <a:lvl9pPr marL="3657600" algn="l" defTabSz="914400" rtl="0" eaLnBrk="1" latinLnBrk="0" hangingPunct="1">
+        <a:defRPr sz="1800" kern="1200">
+          <a:solidFill>
+            <a:schemeClr val="tx1"/>
+          </a:solidFill>
+          <a:latin typeface="+mn-lt"/>
+          <a:ea typeface="+mn-ea"/>
+          <a:cs typeface="+mn-cs"/>
+        </a:defRPr>
+      </a:lvl9pPr>
+    </p:otherStyle>
+  </p:txStyles>
+</p:sldMaster>
+</file>
+
 <file path=ppt/slides/slide1.xml><?xml version="1.0" encoding="utf-8"?>
 <p:sld xmlns:a="http://schemas.openxmlformats.org/drawingml/2006/main" xmlns:r="http://schemas.openxmlformats.org/officeDocument/2006/relationships" xmlns:p="http://schemas.openxmlformats.org/presentationml/2006/main">
   <p:cSld>
@@ -3323,7 +6771,7 @@
       </p:grpSpPr>
       <p:pic>
         <p:nvPicPr>
-          <p:cNvPr id="3074" name="Picture 2" descr="2"/>
+          <p:cNvPr id="4098" name="Picture 2" descr="3"/>
           <p:cNvPicPr>
             <a:picLocks noChangeAspect="1" noChangeArrowheads="1"/>
           </p:cNvPicPr>
@@ -3344,8 +6792,8 @@
         </p:blipFill>
         <p:spPr bwMode="auto">
           <a:xfrm>
-            <a:off x="1631951" y="-6350"/>
-            <a:ext cx="9032875" cy="6754813"/>
+            <a:off x="1524000" y="0"/>
+            <a:ext cx="9144000" cy="6858000"/>
           </a:xfrm>
           <a:prstGeom prst="rect">
             <a:avLst/>
@@ -3377,7 +6825,7 @@
       </p:pic>
       <p:pic>
         <p:nvPicPr>
-          <p:cNvPr id="4099" name="Picture 3" descr="2-2"/>
+          <p:cNvPr id="5123" name="Picture 3" descr="3-2"/>
           <p:cNvPicPr>
             <a:picLocks noChangeAspect="1" noChangeArrowheads="1"/>
           </p:cNvPicPr>
@@ -3398,8 +6846,8 @@
         </p:blipFill>
         <p:spPr bwMode="auto">
           <a:xfrm>
-            <a:off x="1631950" y="44450"/>
-            <a:ext cx="9144000" cy="6851650"/>
+            <a:off x="1524000" y="0"/>
+            <a:ext cx="9144000" cy="6858000"/>
           </a:xfrm>
           <a:prstGeom prst="rect">
             <a:avLst/>
@@ -3478,7 +6926,7 @@
                                           </p:stCondLst>
                                         </p:cTn>
                                         <p:tgtEl>
-                                          <p:spTgt spid="4099"/>
+                                          <p:spTgt spid="5123"/>
                                         </p:tgtEl>
                                         <p:attrNameLst>
                                           <p:attrName>style.visibility</p:attrName>
@@ -3492,7 +6940,7 @@
                                       <p:cBhvr>
                                         <p:cTn id="7" dur="500"/>
                                         <p:tgtEl>
-                                          <p:spTgt spid="4099"/>
+                                          <p:spTgt spid="5123"/>
                                         </p:tgtEl>
                                       </p:cBhvr>
                                     </p:animEffect>
@@ -3823,4 +7271,912 @@
     </a:ext>
   </a:extLst>
 </a:theme>
+</file>
+
+<file path=ppt/theme/theme2.xml><?xml version="1.0" encoding="utf-8"?>
+<a:theme xmlns:a="http://schemas.openxmlformats.org/drawingml/2006/main" name="诗歌1500首">
+  <a:themeElements>
+    <a:clrScheme name="诗歌1500首 13">
+      <a:dk1>
+        <a:srgbClr val="000000"/>
+      </a:dk1>
+      <a:lt1>
+        <a:srgbClr val="FFFFFF"/>
+      </a:lt1>
+      <a:dk2>
+        <a:srgbClr val="000000"/>
+      </a:dk2>
+      <a:lt2>
+        <a:srgbClr val="808080"/>
+      </a:lt2>
+      <a:accent1>
+        <a:srgbClr val="FEF810"/>
+      </a:accent1>
+      <a:accent2>
+        <a:srgbClr val="FF9933"/>
+      </a:accent2>
+      <a:accent3>
+        <a:srgbClr val="FFFFFF"/>
+      </a:accent3>
+      <a:accent4>
+        <a:srgbClr val="000000"/>
+      </a:accent4>
+      <a:accent5>
+        <a:srgbClr val="FEFBAA"/>
+      </a:accent5>
+      <a:accent6>
+        <a:srgbClr val="E78A2D"/>
+      </a:accent6>
+      <a:hlink>
+        <a:srgbClr val="FFFFFF"/>
+      </a:hlink>
+      <a:folHlink>
+        <a:srgbClr val="FFFFFF"/>
+      </a:folHlink>
+    </a:clrScheme>
+    <a:fontScheme name="诗歌1500首">
+      <a:majorFont>
+        <a:latin typeface="Arial"/>
+        <a:ea typeface="宋体"/>
+        <a:cs typeface=""/>
+      </a:majorFont>
+      <a:minorFont>
+        <a:latin typeface="Arial"/>
+        <a:ea typeface="宋体"/>
+        <a:cs typeface=""/>
+      </a:minorFont>
+    </a:fontScheme>
+    <a:fmtScheme name="Office">
+      <a:fillStyleLst>
+        <a:solidFill>
+          <a:schemeClr val="phClr"/>
+        </a:solidFill>
+        <a:gradFill rotWithShape="1">
+          <a:gsLst>
+            <a:gs pos="0">
+              <a:schemeClr val="phClr">
+                <a:tint val="50000"/>
+                <a:satMod val="300000"/>
+              </a:schemeClr>
+            </a:gs>
+            <a:gs pos="35000">
+              <a:schemeClr val="phClr">
+                <a:tint val="37000"/>
+                <a:satMod val="300000"/>
+              </a:schemeClr>
+            </a:gs>
+            <a:gs pos="100000">
+              <a:schemeClr val="phClr">
+                <a:tint val="15000"/>
+                <a:satMod val="350000"/>
+              </a:schemeClr>
+            </a:gs>
+          </a:gsLst>
+          <a:lin ang="16200000" scaled="1"/>
+        </a:gradFill>
+        <a:gradFill rotWithShape="1">
+          <a:gsLst>
+            <a:gs pos="0">
+              <a:schemeClr val="phClr">
+                <a:shade val="51000"/>
+                <a:satMod val="130000"/>
+              </a:schemeClr>
+            </a:gs>
+            <a:gs pos="80000">
+              <a:schemeClr val="phClr">
+                <a:shade val="93000"/>
+                <a:satMod val="130000"/>
+              </a:schemeClr>
+            </a:gs>
+            <a:gs pos="100000">
+              <a:schemeClr val="phClr">
+                <a:shade val="94000"/>
+                <a:satMod val="135000"/>
+              </a:schemeClr>
+            </a:gs>
+          </a:gsLst>
+          <a:lin ang="16200000" scaled="0"/>
+        </a:gradFill>
+      </a:fillStyleLst>
+      <a:lnStyleLst>
+        <a:ln w="9525" cap="flat" cmpd="sng" algn="ctr">
+          <a:solidFill>
+            <a:schemeClr val="phClr">
+              <a:shade val="95000"/>
+              <a:satMod val="105000"/>
+            </a:schemeClr>
+          </a:solidFill>
+          <a:prstDash val="solid"/>
+        </a:ln>
+        <a:ln w="25400" cap="flat" cmpd="sng" algn="ctr">
+          <a:solidFill>
+            <a:schemeClr val="phClr"/>
+          </a:solidFill>
+          <a:prstDash val="solid"/>
+        </a:ln>
+        <a:ln w="38100" cap="flat" cmpd="sng" algn="ctr">
+          <a:solidFill>
+            <a:schemeClr val="phClr"/>
+          </a:solidFill>
+          <a:prstDash val="solid"/>
+        </a:ln>
+      </a:lnStyleLst>
+      <a:effectStyleLst>
+        <a:effectStyle>
+          <a:effectLst>
+            <a:outerShdw blurRad="40000" dist="20000" dir="5400000" rotWithShape="0">
+              <a:srgbClr val="000000">
+                <a:alpha val="38000"/>
+              </a:srgbClr>
+            </a:outerShdw>
+          </a:effectLst>
+        </a:effectStyle>
+        <a:effectStyle>
+          <a:effectLst>
+            <a:outerShdw blurRad="40000" dist="23000" dir="5400000" rotWithShape="0">
+              <a:srgbClr val="000000">
+                <a:alpha val="35000"/>
+              </a:srgbClr>
+            </a:outerShdw>
+          </a:effectLst>
+        </a:effectStyle>
+        <a:effectStyle>
+          <a:effectLst>
+            <a:outerShdw blurRad="40000" dist="23000" dir="5400000" rotWithShape="0">
+              <a:srgbClr val="000000">
+                <a:alpha val="35000"/>
+              </a:srgbClr>
+            </a:outerShdw>
+          </a:effectLst>
+          <a:scene3d>
+            <a:camera prst="orthographicFront">
+              <a:rot lat="0" lon="0" rev="0"/>
+            </a:camera>
+            <a:lightRig rig="threePt" dir="t">
+              <a:rot lat="0" lon="0" rev="1200000"/>
+            </a:lightRig>
+          </a:scene3d>
+          <a:sp3d>
+            <a:bevelT w="63500" h="25400"/>
+          </a:sp3d>
+        </a:effectStyle>
+      </a:effectStyleLst>
+      <a:bgFillStyleLst>
+        <a:solidFill>
+          <a:schemeClr val="phClr"/>
+        </a:solidFill>
+        <a:gradFill rotWithShape="1">
+          <a:gsLst>
+            <a:gs pos="0">
+              <a:schemeClr val="phClr">
+                <a:tint val="40000"/>
+                <a:satMod val="350000"/>
+              </a:schemeClr>
+            </a:gs>
+            <a:gs pos="40000">
+              <a:schemeClr val="phClr">
+                <a:tint val="45000"/>
+                <a:shade val="99000"/>
+                <a:satMod val="350000"/>
+              </a:schemeClr>
+            </a:gs>
+            <a:gs pos="100000">
+              <a:schemeClr val="phClr">
+                <a:shade val="20000"/>
+                <a:satMod val="255000"/>
+              </a:schemeClr>
+            </a:gs>
+          </a:gsLst>
+          <a:path path="circle">
+            <a:fillToRect l="50000" t="-80000" r="50000" b="180000"/>
+          </a:path>
+        </a:gradFill>
+        <a:gradFill rotWithShape="1">
+          <a:gsLst>
+            <a:gs pos="0">
+              <a:schemeClr val="phClr">
+                <a:tint val="80000"/>
+                <a:satMod val="300000"/>
+              </a:schemeClr>
+            </a:gs>
+            <a:gs pos="100000">
+              <a:schemeClr val="phClr">
+                <a:shade val="30000"/>
+                <a:satMod val="200000"/>
+              </a:schemeClr>
+            </a:gs>
+          </a:gsLst>
+          <a:path path="circle">
+            <a:fillToRect l="50000" t="50000" r="50000" b="50000"/>
+          </a:path>
+        </a:gradFill>
+      </a:bgFillStyleLst>
+    </a:fmtScheme>
+  </a:themeElements>
+  <a:objectDefaults>
+    <a:spDef>
+      <a:spPr bwMode="auto">
+        <a:xfrm>
+          <a:off x="0" y="0"/>
+          <a:ext cx="1" cy="1"/>
+        </a:xfrm>
+        <a:custGeom>
+          <a:avLst/>
+          <a:gdLst/>
+          <a:ahLst/>
+          <a:cxnLst/>
+          <a:rect l="0" t="0" r="0" b="0"/>
+          <a:pathLst/>
+        </a:custGeom>
+        <a:solidFill>
+          <a:schemeClr val="accent1"/>
+        </a:solidFill>
+        <a:ln w="9525" cap="flat" cmpd="sng" algn="ctr">
+          <a:solidFill>
+            <a:schemeClr val="tx1"/>
+          </a:solidFill>
+          <a:prstDash val="solid"/>
+          <a:round/>
+          <a:headEnd type="none" w="med" len="med"/>
+          <a:tailEnd type="none" w="med" len="med"/>
+        </a:ln>
+        <a:effectLst/>
+        <a:extLst>
+          <a:ext uri="{AF507438-7753-43E0-B8FC-AC1667EBCBE1}">
+            <a14:hiddenEffects xmlns:a14="http://schemas.microsoft.com/office/drawing/2010/main">
+              <a:effectLst>
+                <a:outerShdw dist="35921" dir="2700000" algn="ctr" rotWithShape="0">
+                  <a:schemeClr val="bg2"/>
+                </a:outerShdw>
+              </a:effectLst>
+            </a14:hiddenEffects>
+          </a:ext>
+        </a:extLst>
+      </a:spPr>
+      <a:bodyPr vert="horz" wrap="square" lIns="91440" tIns="45720" rIns="91440" bIns="45720" numCol="1" anchor="t" anchorCtr="0" compatLnSpc="1">
+        <a:prstTxWarp prst="textNoShape">
+          <a:avLst/>
+        </a:prstTxWarp>
+      </a:bodyPr>
+      <a:lstStyle>
+        <a:defPPr marL="0" marR="0" indent="0" algn="l" defTabSz="914400" rtl="0" eaLnBrk="1" fontAlgn="base" latinLnBrk="0" hangingPunct="1">
+          <a:lnSpc>
+            <a:spcPct val="100000"/>
+          </a:lnSpc>
+          <a:spcBef>
+            <a:spcPct val="0"/>
+          </a:spcBef>
+          <a:spcAft>
+            <a:spcPct val="0"/>
+          </a:spcAft>
+          <a:buClrTx/>
+          <a:buSzTx/>
+          <a:buFont typeface="Arial" pitchFamily="34" charset="0"/>
+          <a:buNone/>
+          <a:tabLst/>
+          <a:defRPr kumimoji="0" lang="zh-CN" sz="1800" b="0" i="0" u="none" strike="noStrike" cap="none" normalizeH="0" baseline="0" smtClean="0">
+            <a:ln>
+              <a:noFill/>
+            </a:ln>
+            <a:solidFill>
+              <a:schemeClr val="tx1"/>
+            </a:solidFill>
+            <a:effectLst/>
+            <a:latin typeface="Arial" pitchFamily="34" charset="0"/>
+            <a:ea typeface="宋体" pitchFamily="2" charset="-122"/>
+          </a:defRPr>
+        </a:defPPr>
+      </a:lstStyle>
+    </a:spDef>
+    <a:lnDef>
+      <a:spPr bwMode="auto">
+        <a:xfrm>
+          <a:off x="0" y="0"/>
+          <a:ext cx="1" cy="1"/>
+        </a:xfrm>
+        <a:custGeom>
+          <a:avLst/>
+          <a:gdLst/>
+          <a:ahLst/>
+          <a:cxnLst/>
+          <a:rect l="0" t="0" r="0" b="0"/>
+          <a:pathLst/>
+        </a:custGeom>
+        <a:solidFill>
+          <a:schemeClr val="accent1"/>
+        </a:solidFill>
+        <a:ln w="9525" cap="flat" cmpd="sng" algn="ctr">
+          <a:solidFill>
+            <a:schemeClr val="tx1"/>
+          </a:solidFill>
+          <a:prstDash val="solid"/>
+          <a:round/>
+          <a:headEnd type="none" w="med" len="med"/>
+          <a:tailEnd type="none" w="med" len="med"/>
+        </a:ln>
+        <a:effectLst/>
+        <a:extLst>
+          <a:ext uri="{AF507438-7753-43E0-B8FC-AC1667EBCBE1}">
+            <a14:hiddenEffects xmlns:a14="http://schemas.microsoft.com/office/drawing/2010/main">
+              <a:effectLst>
+                <a:outerShdw dist="35921" dir="2700000" algn="ctr" rotWithShape="0">
+                  <a:schemeClr val="bg2"/>
+                </a:outerShdw>
+              </a:effectLst>
+            </a14:hiddenEffects>
+          </a:ext>
+        </a:extLst>
+      </a:spPr>
+      <a:bodyPr vert="horz" wrap="square" lIns="91440" tIns="45720" rIns="91440" bIns="45720" numCol="1" anchor="t" anchorCtr="0" compatLnSpc="1">
+        <a:prstTxWarp prst="textNoShape">
+          <a:avLst/>
+        </a:prstTxWarp>
+      </a:bodyPr>
+      <a:lstStyle>
+        <a:defPPr marL="0" marR="0" indent="0" algn="l" defTabSz="914400" rtl="0" eaLnBrk="1" fontAlgn="base" latinLnBrk="0" hangingPunct="1">
+          <a:lnSpc>
+            <a:spcPct val="100000"/>
+          </a:lnSpc>
+          <a:spcBef>
+            <a:spcPct val="0"/>
+          </a:spcBef>
+          <a:spcAft>
+            <a:spcPct val="0"/>
+          </a:spcAft>
+          <a:buClrTx/>
+          <a:buSzTx/>
+          <a:buFont typeface="Arial" pitchFamily="34" charset="0"/>
+          <a:buNone/>
+          <a:tabLst/>
+          <a:defRPr kumimoji="0" lang="zh-CN" sz="1800" b="0" i="0" u="none" strike="noStrike" cap="none" normalizeH="0" baseline="0" smtClean="0">
+            <a:ln>
+              <a:noFill/>
+            </a:ln>
+            <a:solidFill>
+              <a:schemeClr val="tx1"/>
+            </a:solidFill>
+            <a:effectLst/>
+            <a:latin typeface="Arial" pitchFamily="34" charset="0"/>
+            <a:ea typeface="宋体" pitchFamily="2" charset="-122"/>
+          </a:defRPr>
+        </a:defPPr>
+      </a:lstStyle>
+    </a:lnDef>
+  </a:objectDefaults>
+  <a:extraClrSchemeLst>
+    <a:extraClrScheme>
+      <a:clrScheme name="诗歌1500首 1">
+        <a:dk1>
+          <a:srgbClr val="000000"/>
+        </a:dk1>
+        <a:lt1>
+          <a:srgbClr val="FFFFFF"/>
+        </a:lt1>
+        <a:dk2>
+          <a:srgbClr val="000000"/>
+        </a:dk2>
+        <a:lt2>
+          <a:srgbClr val="808080"/>
+        </a:lt2>
+        <a:accent1>
+          <a:srgbClr val="BBE0E3"/>
+        </a:accent1>
+        <a:accent2>
+          <a:srgbClr val="333399"/>
+        </a:accent2>
+        <a:accent3>
+          <a:srgbClr val="FFFFFF"/>
+        </a:accent3>
+        <a:accent4>
+          <a:srgbClr val="000000"/>
+        </a:accent4>
+        <a:accent5>
+          <a:srgbClr val="DAEDEF"/>
+        </a:accent5>
+        <a:accent6>
+          <a:srgbClr val="2D2D8A"/>
+        </a:accent6>
+        <a:hlink>
+          <a:srgbClr val="009999"/>
+        </a:hlink>
+        <a:folHlink>
+          <a:srgbClr val="99CC00"/>
+        </a:folHlink>
+      </a:clrScheme>
+      <a:clrMap bg1="lt1" tx1="dk1" bg2="lt2" tx2="dk2" accent1="accent1" accent2="accent2" accent3="accent3" accent4="accent4" accent5="accent5" accent6="accent6" hlink="hlink" folHlink="folHlink"/>
+    </a:extraClrScheme>
+    <a:extraClrScheme>
+      <a:clrScheme name="诗歌1500首 2">
+        <a:dk1>
+          <a:srgbClr val="000000"/>
+        </a:dk1>
+        <a:lt1>
+          <a:srgbClr val="FFFFFF"/>
+        </a:lt1>
+        <a:dk2>
+          <a:srgbClr val="000000"/>
+        </a:dk2>
+        <a:lt2>
+          <a:srgbClr val="969696"/>
+        </a:lt2>
+        <a:accent1>
+          <a:srgbClr val="FBDF53"/>
+        </a:accent1>
+        <a:accent2>
+          <a:srgbClr val="FF9966"/>
+        </a:accent2>
+        <a:accent3>
+          <a:srgbClr val="FFFFFF"/>
+        </a:accent3>
+        <a:accent4>
+          <a:srgbClr val="000000"/>
+        </a:accent4>
+        <a:accent5>
+          <a:srgbClr val="FDECB3"/>
+        </a:accent5>
+        <a:accent6>
+          <a:srgbClr val="E78A5C"/>
+        </a:accent6>
+        <a:hlink>
+          <a:srgbClr val="CC3300"/>
+        </a:hlink>
+        <a:folHlink>
+          <a:srgbClr val="996600"/>
+        </a:folHlink>
+      </a:clrScheme>
+      <a:clrMap bg1="lt1" tx1="dk1" bg2="lt2" tx2="dk2" accent1="accent1" accent2="accent2" accent3="accent3" accent4="accent4" accent5="accent5" accent6="accent6" hlink="hlink" folHlink="folHlink"/>
+    </a:extraClrScheme>
+    <a:extraClrScheme>
+      <a:clrScheme name="诗歌1500首 3">
+        <a:dk1>
+          <a:srgbClr val="000000"/>
+        </a:dk1>
+        <a:lt1>
+          <a:srgbClr val="FFFFFF"/>
+        </a:lt1>
+        <a:dk2>
+          <a:srgbClr val="000000"/>
+        </a:dk2>
+        <a:lt2>
+          <a:srgbClr val="808080"/>
+        </a:lt2>
+        <a:accent1>
+          <a:srgbClr val="99CCFF"/>
+        </a:accent1>
+        <a:accent2>
+          <a:srgbClr val="CCCCFF"/>
+        </a:accent2>
+        <a:accent3>
+          <a:srgbClr val="FFFFFF"/>
+        </a:accent3>
+        <a:accent4>
+          <a:srgbClr val="000000"/>
+        </a:accent4>
+        <a:accent5>
+          <a:srgbClr val="CAE2FF"/>
+        </a:accent5>
+        <a:accent6>
+          <a:srgbClr val="B9B9E7"/>
+        </a:accent6>
+        <a:hlink>
+          <a:srgbClr val="3333CC"/>
+        </a:hlink>
+        <a:folHlink>
+          <a:srgbClr val="AF67FF"/>
+        </a:folHlink>
+      </a:clrScheme>
+      <a:clrMap bg1="lt1" tx1="dk1" bg2="lt2" tx2="dk2" accent1="accent1" accent2="accent2" accent3="accent3" accent4="accent4" accent5="accent5" accent6="accent6" hlink="hlink" folHlink="folHlink"/>
+    </a:extraClrScheme>
+    <a:extraClrScheme>
+      <a:clrScheme name="诗歌1500首 4">
+        <a:dk1>
+          <a:srgbClr val="000000"/>
+        </a:dk1>
+        <a:lt1>
+          <a:srgbClr val="DEF6F1"/>
+        </a:lt1>
+        <a:dk2>
+          <a:srgbClr val="000000"/>
+        </a:dk2>
+        <a:lt2>
+          <a:srgbClr val="969696"/>
+        </a:lt2>
+        <a:accent1>
+          <a:srgbClr val="FFFFFF"/>
+        </a:accent1>
+        <a:accent2>
+          <a:srgbClr val="8DC6FF"/>
+        </a:accent2>
+        <a:accent3>
+          <a:srgbClr val="ECFAF7"/>
+        </a:accent3>
+        <a:accent4>
+          <a:srgbClr val="000000"/>
+        </a:accent4>
+        <a:accent5>
+          <a:srgbClr val="FFFFFF"/>
+        </a:accent5>
+        <a:accent6>
+          <a:srgbClr val="7FB3E7"/>
+        </a:accent6>
+        <a:hlink>
+          <a:srgbClr val="0066CC"/>
+        </a:hlink>
+        <a:folHlink>
+          <a:srgbClr val="00A800"/>
+        </a:folHlink>
+      </a:clrScheme>
+      <a:clrMap bg1="lt1" tx1="dk1" bg2="lt2" tx2="dk2" accent1="accent1" accent2="accent2" accent3="accent3" accent4="accent4" accent5="accent5" accent6="accent6" hlink="hlink" folHlink="folHlink"/>
+    </a:extraClrScheme>
+    <a:extraClrScheme>
+      <a:clrScheme name="诗歌1500首 5">
+        <a:dk1>
+          <a:srgbClr val="000000"/>
+        </a:dk1>
+        <a:lt1>
+          <a:srgbClr val="FFFFD9"/>
+        </a:lt1>
+        <a:dk2>
+          <a:srgbClr val="000000"/>
+        </a:dk2>
+        <a:lt2>
+          <a:srgbClr val="777777"/>
+        </a:lt2>
+        <a:accent1>
+          <a:srgbClr val="FFFFF7"/>
+        </a:accent1>
+        <a:accent2>
+          <a:srgbClr val="33CCCC"/>
+        </a:accent2>
+        <a:accent3>
+          <a:srgbClr val="FFFFE9"/>
+        </a:accent3>
+        <a:accent4>
+          <a:srgbClr val="000000"/>
+        </a:accent4>
+        <a:accent5>
+          <a:srgbClr val="FFFFFA"/>
+        </a:accent5>
+        <a:accent6>
+          <a:srgbClr val="2DB9B9"/>
+        </a:accent6>
+        <a:hlink>
+          <a:srgbClr val="FF5050"/>
+        </a:hlink>
+        <a:folHlink>
+          <a:srgbClr val="FF9900"/>
+        </a:folHlink>
+      </a:clrScheme>
+      <a:clrMap bg1="lt1" tx1="dk1" bg2="lt2" tx2="dk2" accent1="accent1" accent2="accent2" accent3="accent3" accent4="accent4" accent5="accent5" accent6="accent6" hlink="hlink" folHlink="folHlink"/>
+    </a:extraClrScheme>
+    <a:extraClrScheme>
+      <a:clrScheme name="诗歌1500首 6">
+        <a:dk1>
+          <a:srgbClr val="005A58"/>
+        </a:dk1>
+        <a:lt1>
+          <a:srgbClr val="FFFFFF"/>
+        </a:lt1>
+        <a:dk2>
+          <a:srgbClr val="008080"/>
+        </a:dk2>
+        <a:lt2>
+          <a:srgbClr val="FFFF99"/>
+        </a:lt2>
+        <a:accent1>
+          <a:srgbClr val="006462"/>
+        </a:accent1>
+        <a:accent2>
+          <a:srgbClr val="6D6FC7"/>
+        </a:accent2>
+        <a:accent3>
+          <a:srgbClr val="AAC0C0"/>
+        </a:accent3>
+        <a:accent4>
+          <a:srgbClr val="DADADA"/>
+        </a:accent4>
+        <a:accent5>
+          <a:srgbClr val="AAB8B7"/>
+        </a:accent5>
+        <a:accent6>
+          <a:srgbClr val="6264B4"/>
+        </a:accent6>
+        <a:hlink>
+          <a:srgbClr val="00FFFF"/>
+        </a:hlink>
+        <a:folHlink>
+          <a:srgbClr val="00FF00"/>
+        </a:folHlink>
+      </a:clrScheme>
+      <a:clrMap bg1="dk2" tx1="lt1" bg2="dk1" tx2="lt2" accent1="accent1" accent2="accent2" accent3="accent3" accent4="accent4" accent5="accent5" accent6="accent6" hlink="hlink" folHlink="folHlink"/>
+    </a:extraClrScheme>
+    <a:extraClrScheme>
+      <a:clrScheme name="诗歌1500首 7">
+        <a:dk1>
+          <a:srgbClr val="5C1F00"/>
+        </a:dk1>
+        <a:lt1>
+          <a:srgbClr val="FFFFFF"/>
+        </a:lt1>
+        <a:dk2>
+          <a:srgbClr val="800000"/>
+        </a:dk2>
+        <a:lt2>
+          <a:srgbClr val="DFD293"/>
+        </a:lt2>
+        <a:accent1>
+          <a:srgbClr val="CC3300"/>
+        </a:accent1>
+        <a:accent2>
+          <a:srgbClr val="BE7960"/>
+        </a:accent2>
+        <a:accent3>
+          <a:srgbClr val="C0AAAA"/>
+        </a:accent3>
+        <a:accent4>
+          <a:srgbClr val="DADADA"/>
+        </a:accent4>
+        <a:accent5>
+          <a:srgbClr val="E2ADAA"/>
+        </a:accent5>
+        <a:accent6>
+          <a:srgbClr val="AC6D56"/>
+        </a:accent6>
+        <a:hlink>
+          <a:srgbClr val="FFFF99"/>
+        </a:hlink>
+        <a:folHlink>
+          <a:srgbClr val="D3A219"/>
+        </a:folHlink>
+      </a:clrScheme>
+      <a:clrMap bg1="dk2" tx1="lt1" bg2="dk1" tx2="lt2" accent1="accent1" accent2="accent2" accent3="accent3" accent4="accent4" accent5="accent5" accent6="accent6" hlink="hlink" folHlink="folHlink"/>
+    </a:extraClrScheme>
+    <a:extraClrScheme>
+      <a:clrScheme name="诗歌1500首 8">
+        <a:dk1>
+          <a:srgbClr val="003366"/>
+        </a:dk1>
+        <a:lt1>
+          <a:srgbClr val="FFFFFF"/>
+        </a:lt1>
+        <a:dk2>
+          <a:srgbClr val="000099"/>
+        </a:dk2>
+        <a:lt2>
+          <a:srgbClr val="CCFFFF"/>
+        </a:lt2>
+        <a:accent1>
+          <a:srgbClr val="3366CC"/>
+        </a:accent1>
+        <a:accent2>
+          <a:srgbClr val="00B000"/>
+        </a:accent2>
+        <a:accent3>
+          <a:srgbClr val="AAAACA"/>
+        </a:accent3>
+        <a:accent4>
+          <a:srgbClr val="DADADA"/>
+        </a:accent4>
+        <a:accent5>
+          <a:srgbClr val="ADB8E2"/>
+        </a:accent5>
+        <a:accent6>
+          <a:srgbClr val="009F00"/>
+        </a:accent6>
+        <a:hlink>
+          <a:srgbClr val="66CCFF"/>
+        </a:hlink>
+        <a:folHlink>
+          <a:srgbClr val="FFE701"/>
+        </a:folHlink>
+      </a:clrScheme>
+      <a:clrMap bg1="dk2" tx1="lt1" bg2="dk1" tx2="lt2" accent1="accent1" accent2="accent2" accent3="accent3" accent4="accent4" accent5="accent5" accent6="accent6" hlink="hlink" folHlink="folHlink"/>
+    </a:extraClrScheme>
+    <a:extraClrScheme>
+      <a:clrScheme name="诗歌1500首 9">
+        <a:dk1>
+          <a:srgbClr val="336699"/>
+        </a:dk1>
+        <a:lt1>
+          <a:srgbClr val="FFFFFF"/>
+        </a:lt1>
+        <a:dk2>
+          <a:srgbClr val="000000"/>
+        </a:dk2>
+        <a:lt2>
+          <a:srgbClr val="E3EBF1"/>
+        </a:lt2>
+        <a:accent1>
+          <a:srgbClr val="003399"/>
+        </a:accent1>
+        <a:accent2>
+          <a:srgbClr val="468A4B"/>
+        </a:accent2>
+        <a:accent3>
+          <a:srgbClr val="AAAAAA"/>
+        </a:accent3>
+        <a:accent4>
+          <a:srgbClr val="DADADA"/>
+        </a:accent4>
+        <a:accent5>
+          <a:srgbClr val="AAADCA"/>
+        </a:accent5>
+        <a:accent6>
+          <a:srgbClr val="3F7D43"/>
+        </a:accent6>
+        <a:hlink>
+          <a:srgbClr val="66CCFF"/>
+        </a:hlink>
+        <a:folHlink>
+          <a:srgbClr val="F0E500"/>
+        </a:folHlink>
+      </a:clrScheme>
+      <a:clrMap bg1="dk2" tx1="lt1" bg2="dk1" tx2="lt2" accent1="accent1" accent2="accent2" accent3="accent3" accent4="accent4" accent5="accent5" accent6="accent6" hlink="hlink" folHlink="folHlink"/>
+    </a:extraClrScheme>
+    <a:extraClrScheme>
+      <a:clrScheme name="诗歌1500首 10">
+        <a:dk1>
+          <a:srgbClr val="777777"/>
+        </a:dk1>
+        <a:lt1>
+          <a:srgbClr val="FFFFFF"/>
+        </a:lt1>
+        <a:dk2>
+          <a:srgbClr val="686B5D"/>
+        </a:dk2>
+        <a:lt2>
+          <a:srgbClr val="D1D1CB"/>
+        </a:lt2>
+        <a:accent1>
+          <a:srgbClr val="909082"/>
+        </a:accent1>
+        <a:accent2>
+          <a:srgbClr val="809EA8"/>
+        </a:accent2>
+        <a:accent3>
+          <a:srgbClr val="B9BAB6"/>
+        </a:accent3>
+        <a:accent4>
+          <a:srgbClr val="DADADA"/>
+        </a:accent4>
+        <a:accent5>
+          <a:srgbClr val="C6C6C1"/>
+        </a:accent5>
+        <a:accent6>
+          <a:srgbClr val="738F98"/>
+        </a:accent6>
+        <a:hlink>
+          <a:srgbClr val="FFCC66"/>
+        </a:hlink>
+        <a:folHlink>
+          <a:srgbClr val="E9DCB9"/>
+        </a:folHlink>
+      </a:clrScheme>
+      <a:clrMap bg1="dk2" tx1="lt1" bg2="dk1" tx2="lt2" accent1="accent1" accent2="accent2" accent3="accent3" accent4="accent4" accent5="accent5" accent6="accent6" hlink="hlink" folHlink="folHlink"/>
+    </a:extraClrScheme>
+    <a:extraClrScheme>
+      <a:clrScheme name="诗歌1500首 11">
+        <a:dk1>
+          <a:srgbClr val="3E3E5C"/>
+        </a:dk1>
+        <a:lt1>
+          <a:srgbClr val="FFFFFF"/>
+        </a:lt1>
+        <a:dk2>
+          <a:srgbClr val="666699"/>
+        </a:dk2>
+        <a:lt2>
+          <a:srgbClr val="FFFFFF"/>
+        </a:lt2>
+        <a:accent1>
+          <a:srgbClr val="60597B"/>
+        </a:accent1>
+        <a:accent2>
+          <a:srgbClr val="6666FF"/>
+        </a:accent2>
+        <a:accent3>
+          <a:srgbClr val="B8B8CA"/>
+        </a:accent3>
+        <a:accent4>
+          <a:srgbClr val="DADADA"/>
+        </a:accent4>
+        <a:accent5>
+          <a:srgbClr val="B6B5BF"/>
+        </a:accent5>
+        <a:accent6>
+          <a:srgbClr val="5C5CE7"/>
+        </a:accent6>
+        <a:hlink>
+          <a:srgbClr val="99CCFF"/>
+        </a:hlink>
+        <a:folHlink>
+          <a:srgbClr val="FFFF99"/>
+        </a:folHlink>
+      </a:clrScheme>
+      <a:clrMap bg1="dk2" tx1="lt1" bg2="dk1" tx2="lt2" accent1="accent1" accent2="accent2" accent3="accent3" accent4="accent4" accent5="accent5" accent6="accent6" hlink="hlink" folHlink="folHlink"/>
+    </a:extraClrScheme>
+    <a:extraClrScheme>
+      <a:clrScheme name="诗歌1500首 12">
+        <a:dk1>
+          <a:srgbClr val="2D2015"/>
+        </a:dk1>
+        <a:lt1>
+          <a:srgbClr val="FFFFFF"/>
+        </a:lt1>
+        <a:dk2>
+          <a:srgbClr val="523E26"/>
+        </a:dk2>
+        <a:lt2>
+          <a:srgbClr val="DFC08D"/>
+        </a:lt2>
+        <a:accent1>
+          <a:srgbClr val="8C7B70"/>
+        </a:accent1>
+        <a:accent2>
+          <a:srgbClr val="8F5F2F"/>
+        </a:accent2>
+        <a:accent3>
+          <a:srgbClr val="B3AFAC"/>
+        </a:accent3>
+        <a:accent4>
+          <a:srgbClr val="DADADA"/>
+        </a:accent4>
+        <a:accent5>
+          <a:srgbClr val="C5BFBB"/>
+        </a:accent5>
+        <a:accent6>
+          <a:srgbClr val="81552A"/>
+        </a:accent6>
+        <a:hlink>
+          <a:srgbClr val="CCB400"/>
+        </a:hlink>
+        <a:folHlink>
+          <a:srgbClr val="8C9EA0"/>
+        </a:folHlink>
+      </a:clrScheme>
+      <a:clrMap bg1="dk2" tx1="lt1" bg2="dk1" tx2="lt2" accent1="accent1" accent2="accent2" accent3="accent3" accent4="accent4" accent5="accent5" accent6="accent6" hlink="hlink" folHlink="folHlink"/>
+    </a:extraClrScheme>
+    <a:extraClrScheme>
+      <a:clrScheme name="诗歌1500首 13">
+        <a:dk1>
+          <a:srgbClr val="000000"/>
+        </a:dk1>
+        <a:lt1>
+          <a:srgbClr val="FFFFFF"/>
+        </a:lt1>
+        <a:dk2>
+          <a:srgbClr val="000000"/>
+        </a:dk2>
+        <a:lt2>
+          <a:srgbClr val="808080"/>
+        </a:lt2>
+        <a:accent1>
+          <a:srgbClr val="FEF810"/>
+        </a:accent1>
+        <a:accent2>
+          <a:srgbClr val="FF9933"/>
+        </a:accent2>
+        <a:accent3>
+          <a:srgbClr val="FFFFFF"/>
+        </a:accent3>
+        <a:accent4>
+          <a:srgbClr val="000000"/>
+        </a:accent4>
+        <a:accent5>
+          <a:srgbClr val="FEFBAA"/>
+        </a:accent5>
+        <a:accent6>
+          <a:srgbClr val="E78A2D"/>
+        </a:accent6>
+        <a:hlink>
+          <a:srgbClr val="FFFFFF"/>
+        </a:hlink>
+        <a:folHlink>
+          <a:srgbClr val="FFFFFF"/>
+        </a:folHlink>
+      </a:clrScheme>
+      <a:clrMap bg1="lt1" tx1="dk1" bg2="lt2" tx2="dk2" accent1="accent1" accent2="accent2" accent3="accent3" accent4="accent4" accent5="accent5" accent6="accent6" hlink="hlink" folHlink="folHlink"/>
+    </a:extraClrScheme>
+  </a:extraClrSchemeLst>
+</a:theme>
 </file>